--- a/List comprehension and Lamda.pptx
+++ b/List comprehension and Lamda.pptx
@@ -5,29 +5,32 @@
     <p:sldMasterId id="2147483697" r:id="rId1"/>
   </p:sldMasterIdLst>
   <p:notesMasterIdLst>
-    <p:notesMasterId r:id="rId17"/>
+    <p:notesMasterId r:id="rId20"/>
   </p:notesMasterIdLst>
   <p:sldIdLst>
     <p:sldId id="256" r:id="rId2"/>
-    <p:sldId id="263" r:id="rId3"/>
-    <p:sldId id="259" r:id="rId4"/>
-    <p:sldId id="264" r:id="rId5"/>
+    <p:sldId id="272" r:id="rId3"/>
+    <p:sldId id="273" r:id="rId4"/>
+    <p:sldId id="274" r:id="rId5"/>
     <p:sldId id="261" r:id="rId6"/>
     <p:sldId id="262" r:id="rId7"/>
     <p:sldId id="265" r:id="rId8"/>
-    <p:sldId id="260" r:id="rId9"/>
-    <p:sldId id="267" r:id="rId10"/>
-    <p:sldId id="268" r:id="rId11"/>
-    <p:sldId id="266" r:id="rId12"/>
-    <p:sldId id="257" r:id="rId13"/>
-    <p:sldId id="269" r:id="rId14"/>
-    <p:sldId id="270" r:id="rId15"/>
-    <p:sldId id="271" r:id="rId16"/>
+    <p:sldId id="263" r:id="rId9"/>
+    <p:sldId id="259" r:id="rId10"/>
+    <p:sldId id="264" r:id="rId11"/>
+    <p:sldId id="260" r:id="rId12"/>
+    <p:sldId id="267" r:id="rId13"/>
+    <p:sldId id="268" r:id="rId14"/>
+    <p:sldId id="266" r:id="rId15"/>
+    <p:sldId id="257" r:id="rId16"/>
+    <p:sldId id="269" r:id="rId17"/>
+    <p:sldId id="270" r:id="rId18"/>
+    <p:sldId id="271" r:id="rId19"/>
   </p:sldIdLst>
   <p:sldSz cx="12192000" cy="6858000"/>
   <p:notesSz cx="6858000" cy="9144000"/>
   <p:custDataLst>
-    <p:tags r:id="rId18"/>
+    <p:tags r:id="rId21"/>
   </p:custDataLst>
   <p:defaultTextStyle>
     <a:defPPr>
@@ -135,7 +138,7 @@
 <file path=ppt/revisionInfo.xml><?xml version="1.0" encoding="utf-8"?>
 <p1510:revInfo xmlns:a="http://schemas.openxmlformats.org/drawingml/2006/main" xmlns:r="http://schemas.openxmlformats.org/officeDocument/2006/relationships" xmlns:p1510="http://schemas.microsoft.com/office/powerpoint/2015/10/main">
   <p1510:revLst>
-    <p1510:client id="{CF219275-68B5-4C4D-8829-79E2ED2AB7BF}" v="40" dt="2021-05-08T01:36:26.955"/>
+    <p1510:client id="{2AA1F3DC-C136-4B3C-B5EE-1B0A1C5C09C8}" v="83" dt="2021-05-15T01:25:01.407"/>
   </p1510:revLst>
 </p1510:revInfo>
 </file>
@@ -222,7 +225,7 @@
           <a:p>
             <a:fld id="{2581E5A9-ED40-4554-AA27-ACAEB7D34B59}" type="datetimeFigureOut">
               <a:rPr lang="en-SG" smtClean="0"/>
-              <a:t>7/5/2021</a:t>
+              <a:t>15/5/2021</a:t>
             </a:fld>
             <a:endParaRPr lang="en-SG"/>
           </a:p>
@@ -534,7 +537,10 @@
           <a:bodyPr/>
           <a:lstStyle/>
           <a:p>
-            <a:endParaRPr lang="en-SG" dirty="0"/>
+            <a:r>
+              <a:rPr lang="en-SG" dirty="0"/>
+              <a:t>More efficient as it is optimised and written in C</a:t>
+            </a:r>
           </a:p>
         </p:txBody>
       </p:sp>
@@ -555,7 +561,7 @@
           <a:p>
             <a:fld id="{71A39074-8DE6-471A-A820-E81B5012FDB2}" type="slidenum">
               <a:rPr lang="en-SG" smtClean="0"/>
-              <a:t>2</a:t>
+              <a:t>6</a:t>
             </a:fld>
             <a:endParaRPr lang="en-SG"/>
           </a:p>
@@ -564,7 +570,7 @@
     </p:spTree>
     <p:extLst>
       <p:ext uri="{BB962C8B-B14F-4D97-AF65-F5344CB8AC3E}">
-        <p14:creationId xmlns:p14="http://schemas.microsoft.com/office/powerpoint/2010/main" val="2974207956"/>
+        <p14:creationId xmlns:p14="http://schemas.microsoft.com/office/powerpoint/2010/main" val="1470850147"/>
       </p:ext>
     </p:extLst>
   </p:cSld>
@@ -639,7 +645,7 @@
           <a:p>
             <a:fld id="{71A39074-8DE6-471A-A820-E81B5012FDB2}" type="slidenum">
               <a:rPr lang="en-SG" smtClean="0"/>
-              <a:t>3</a:t>
+              <a:t>8</a:t>
             </a:fld>
             <a:endParaRPr lang="en-SG"/>
           </a:p>
@@ -648,7 +654,7 @@
     </p:spTree>
     <p:extLst>
       <p:ext uri="{BB962C8B-B14F-4D97-AF65-F5344CB8AC3E}">
-        <p14:creationId xmlns:p14="http://schemas.microsoft.com/office/powerpoint/2010/main" val="1990166603"/>
+        <p14:creationId xmlns:p14="http://schemas.microsoft.com/office/powerpoint/2010/main" val="2974207956"/>
       </p:ext>
     </p:extLst>
   </p:cSld>
@@ -702,10 +708,7 @@
           <a:bodyPr/>
           <a:lstStyle/>
           <a:p>
-            <a:r>
-              <a:rPr lang="en-SG" dirty="0"/>
-              <a:t>More efficient as it is optimised and written in C</a:t>
-            </a:r>
+            <a:endParaRPr lang="en-SG" dirty="0"/>
           </a:p>
         </p:txBody>
       </p:sp>
@@ -726,7 +729,7 @@
           <a:p>
             <a:fld id="{71A39074-8DE6-471A-A820-E81B5012FDB2}" type="slidenum">
               <a:rPr lang="en-SG" smtClean="0"/>
-              <a:t>6</a:t>
+              <a:t>9</a:t>
             </a:fld>
             <a:endParaRPr lang="en-SG"/>
           </a:p>
@@ -735,7 +738,91 @@
     </p:spTree>
     <p:extLst>
       <p:ext uri="{BB962C8B-B14F-4D97-AF65-F5344CB8AC3E}">
-        <p14:creationId xmlns:p14="http://schemas.microsoft.com/office/powerpoint/2010/main" val="1470850147"/>
+        <p14:creationId xmlns:p14="http://schemas.microsoft.com/office/powerpoint/2010/main" val="1990166603"/>
+      </p:ext>
+    </p:extLst>
+  </p:cSld>
+  <p:clrMapOvr>
+    <a:masterClrMapping/>
+  </p:clrMapOvr>
+</p:notes>
+</file>
+
+<file path=ppt/notesSlides/notesSlide4.xml><?xml version="1.0" encoding="utf-8"?>
+<p:notes xmlns:a="http://schemas.openxmlformats.org/drawingml/2006/main" xmlns:r="http://schemas.openxmlformats.org/officeDocument/2006/relationships" xmlns:p="http://schemas.openxmlformats.org/presentationml/2006/main">
+  <p:cSld>
+    <p:spTree>
+      <p:nvGrpSpPr>
+        <p:cNvPr id="1" name=""/>
+        <p:cNvGrpSpPr/>
+        <p:nvPr/>
+      </p:nvGrpSpPr>
+      <p:grpSpPr>
+        <a:xfrm>
+          <a:off x="0" y="0"/>
+          <a:ext cx="0" cy="0"/>
+          <a:chOff x="0" y="0"/>
+          <a:chExt cx="0" cy="0"/>
+        </a:xfrm>
+      </p:grpSpPr>
+      <p:sp>
+        <p:nvSpPr>
+          <p:cNvPr id="2" name="Slide Image Placeholder 1"/>
+          <p:cNvSpPr>
+            <a:spLocks noGrp="1" noRot="1" noChangeAspect="1"/>
+          </p:cNvSpPr>
+          <p:nvPr>
+            <p:ph type="sldImg"/>
+          </p:nvPr>
+        </p:nvSpPr>
+        <p:spPr/>
+      </p:sp>
+      <p:sp>
+        <p:nvSpPr>
+          <p:cNvPr id="3" name="Notes Placeholder 2"/>
+          <p:cNvSpPr>
+            <a:spLocks noGrp="1"/>
+          </p:cNvSpPr>
+          <p:nvPr>
+            <p:ph type="body" idx="1"/>
+          </p:nvPr>
+        </p:nvSpPr>
+        <p:spPr/>
+        <p:txBody>
+          <a:bodyPr/>
+          <a:lstStyle/>
+          <a:p>
+            <a:endParaRPr lang="en-SG" dirty="0"/>
+          </a:p>
+        </p:txBody>
+      </p:sp>
+      <p:sp>
+        <p:nvSpPr>
+          <p:cNvPr id="4" name="Slide Number Placeholder 3"/>
+          <p:cNvSpPr>
+            <a:spLocks noGrp="1"/>
+          </p:cNvSpPr>
+          <p:nvPr>
+            <p:ph type="sldNum" sz="quarter" idx="5"/>
+          </p:nvPr>
+        </p:nvSpPr>
+        <p:spPr/>
+        <p:txBody>
+          <a:bodyPr/>
+          <a:lstStyle/>
+          <a:p>
+            <a:fld id="{71A39074-8DE6-471A-A820-E81B5012FDB2}" type="slidenum">
+              <a:rPr lang="en-SG" smtClean="0"/>
+              <a:t>18</a:t>
+            </a:fld>
+            <a:endParaRPr lang="en-SG"/>
+          </a:p>
+        </p:txBody>
+      </p:sp>
+    </p:spTree>
+    <p:extLst>
+      <p:ext uri="{BB962C8B-B14F-4D97-AF65-F5344CB8AC3E}">
+        <p14:creationId xmlns:p14="http://schemas.microsoft.com/office/powerpoint/2010/main" val="3983538303"/>
       </p:ext>
     </p:extLst>
   </p:cSld>
@@ -896,7 +983,7 @@
           <a:p>
             <a:fld id="{B5898F52-2787-4BA2-BBBC-9395E9F86D50}" type="datetimeFigureOut">
               <a:rPr lang="en-US" smtClean="0"/>
-              <a:t>5/7/2021</a:t>
+              <a:t>5/15/2021</a:t>
             </a:fld>
             <a:endParaRPr lang="en-US"/>
           </a:p>
@@ -1094,7 +1181,7 @@
           <a:p>
             <a:fld id="{B5898F52-2787-4BA2-BBBC-9395E9F86D50}" type="datetimeFigureOut">
               <a:rPr lang="en-US" smtClean="0"/>
-              <a:t>5/7/2021</a:t>
+              <a:t>5/15/2021</a:t>
             </a:fld>
             <a:endParaRPr lang="en-US"/>
           </a:p>
@@ -1302,7 +1389,7 @@
           <a:p>
             <a:fld id="{B5898F52-2787-4BA2-BBBC-9395E9F86D50}" type="datetimeFigureOut">
               <a:rPr lang="en-US" smtClean="0"/>
-              <a:t>5/7/2021</a:t>
+              <a:t>5/15/2021</a:t>
             </a:fld>
             <a:endParaRPr lang="en-US"/>
           </a:p>
@@ -1500,7 +1587,7 @@
           <a:p>
             <a:fld id="{B5898F52-2787-4BA2-BBBC-9395E9F86D50}" type="datetimeFigureOut">
               <a:rPr lang="en-US" smtClean="0"/>
-              <a:t>5/7/2021</a:t>
+              <a:t>5/15/2021</a:t>
             </a:fld>
             <a:endParaRPr lang="en-US"/>
           </a:p>
@@ -1777,7 +1864,7 @@
           <a:p>
             <a:fld id="{B5898F52-2787-4BA2-BBBC-9395E9F86D50}" type="datetimeFigureOut">
               <a:rPr lang="en-US" smtClean="0"/>
-              <a:t>5/7/2021</a:t>
+              <a:t>5/15/2021</a:t>
             </a:fld>
             <a:endParaRPr lang="en-US"/>
           </a:p>
@@ -2042,7 +2129,7 @@
           <a:p>
             <a:fld id="{B5898F52-2787-4BA2-BBBC-9395E9F86D50}" type="datetimeFigureOut">
               <a:rPr lang="en-US" smtClean="0"/>
-              <a:t>5/7/2021</a:t>
+              <a:t>5/15/2021</a:t>
             </a:fld>
             <a:endParaRPr lang="en-US"/>
           </a:p>
@@ -2472,7 +2559,7 @@
           <a:p>
             <a:fld id="{B5898F52-2787-4BA2-BBBC-9395E9F86D50}" type="datetimeFigureOut">
               <a:rPr lang="en-US" smtClean="0"/>
-              <a:t>5/7/2021</a:t>
+              <a:t>5/15/2021</a:t>
             </a:fld>
             <a:endParaRPr lang="en-US"/>
           </a:p>
@@ -2613,7 +2700,7 @@
           <a:p>
             <a:fld id="{B5898F52-2787-4BA2-BBBC-9395E9F86D50}" type="datetimeFigureOut">
               <a:rPr lang="en-US" smtClean="0"/>
-              <a:t>5/7/2021</a:t>
+              <a:t>5/15/2021</a:t>
             </a:fld>
             <a:endParaRPr lang="en-US"/>
           </a:p>
@@ -2726,7 +2813,7 @@
           <a:p>
             <a:fld id="{B5898F52-2787-4BA2-BBBC-9395E9F86D50}" type="datetimeFigureOut">
               <a:rPr lang="en-US" smtClean="0"/>
-              <a:t>5/7/2021</a:t>
+              <a:t>5/15/2021</a:t>
             </a:fld>
             <a:endParaRPr lang="en-US"/>
           </a:p>
@@ -3037,7 +3124,7 @@
           <a:p>
             <a:fld id="{B5898F52-2787-4BA2-BBBC-9395E9F86D50}" type="datetimeFigureOut">
               <a:rPr lang="en-US" smtClean="0"/>
-              <a:t>5/7/2021</a:t>
+              <a:t>5/15/2021</a:t>
             </a:fld>
             <a:endParaRPr lang="en-US"/>
           </a:p>
@@ -3325,7 +3412,7 @@
           <a:p>
             <a:fld id="{B5898F52-2787-4BA2-BBBC-9395E9F86D50}" type="datetimeFigureOut">
               <a:rPr lang="en-US" smtClean="0"/>
-              <a:t>5/7/2021</a:t>
+              <a:t>5/15/2021</a:t>
             </a:fld>
             <a:endParaRPr lang="en-US"/>
           </a:p>
@@ -8275,7 +8362,7 @@
             <a:fld id="{B5898F52-2787-4BA2-BBBC-9395E9F86D50}" type="datetimeFigureOut">
               <a:rPr lang="en-US" smtClean="0"/>
               <a:pPr/>
-              <a:t>5/7/2021</a:t>
+              <a:t>5/15/2021</a:t>
             </a:fld>
             <a:endParaRPr lang="en-US" dirty="0"/>
           </a:p>
@@ -8937,6 +9024,370 @@
           <p:cNvPr id="2" name="Title 1">
             <a:extLst>
               <a:ext uri="{FF2B5EF4-FFF2-40B4-BE49-F238E27FC236}">
+                <a16:creationId xmlns:a16="http://schemas.microsoft.com/office/drawing/2014/main" id="{1C71D339-D35A-4828-96C6-D2117667F82B}"/>
+              </a:ext>
+            </a:extLst>
+          </p:cNvPr>
+          <p:cNvSpPr>
+            <a:spLocks noGrp="1"/>
+          </p:cNvSpPr>
+          <p:nvPr>
+            <p:ph type="title"/>
+          </p:nvPr>
+        </p:nvSpPr>
+        <p:spPr/>
+        <p:txBody>
+          <a:bodyPr/>
+          <a:lstStyle/>
+          <a:p>
+            <a:endParaRPr lang="en-SG" dirty="0"/>
+          </a:p>
+        </p:txBody>
+      </p:sp>
+      <p:sp>
+        <p:nvSpPr>
+          <p:cNvPr id="3" name="Content Placeholder 2">
+            <a:extLst>
+              <a:ext uri="{FF2B5EF4-FFF2-40B4-BE49-F238E27FC236}">
+                <a16:creationId xmlns:a16="http://schemas.microsoft.com/office/drawing/2014/main" id="{A1C05109-6597-488A-B90C-8AEE299426FD}"/>
+              </a:ext>
+            </a:extLst>
+          </p:cNvPr>
+          <p:cNvSpPr>
+            <a:spLocks noGrp="1"/>
+          </p:cNvSpPr>
+          <p:nvPr>
+            <p:ph idx="1"/>
+          </p:nvPr>
+        </p:nvSpPr>
+        <p:spPr/>
+        <p:txBody>
+          <a:bodyPr/>
+          <a:lstStyle/>
+          <a:p>
+            <a:r>
+              <a:rPr lang="en-SG" dirty="0"/>
+              <a:t>Write a Python program to create a lambda function that adds 15 to a given number passed in as an argument, also create a lambda function that multiplies argument x with argument y and print the result.</a:t>
+            </a:r>
+          </a:p>
+        </p:txBody>
+      </p:sp>
+    </p:spTree>
+    <p:custDataLst>
+      <p:tags r:id="rId1"/>
+    </p:custDataLst>
+    <p:extLst>
+      <p:ext uri="{BB962C8B-B14F-4D97-AF65-F5344CB8AC3E}">
+        <p14:creationId xmlns:p14="http://schemas.microsoft.com/office/powerpoint/2010/main" val="153570295"/>
+      </p:ext>
+    </p:extLst>
+  </p:cSld>
+  <p:clrMapOvr>
+    <a:masterClrMapping/>
+  </p:clrMapOvr>
+</p:sld>
+</file>
+
+<file path=ppt/slides/slide11.xml><?xml version="1.0" encoding="utf-8"?>
+<p:sld xmlns:a="http://schemas.openxmlformats.org/drawingml/2006/main" xmlns:r="http://schemas.openxmlformats.org/officeDocument/2006/relationships" xmlns:p="http://schemas.openxmlformats.org/presentationml/2006/main">
+  <p:cSld>
+    <p:spTree>
+      <p:nvGrpSpPr>
+        <p:cNvPr id="1" name=""/>
+        <p:cNvGrpSpPr/>
+        <p:nvPr/>
+      </p:nvGrpSpPr>
+      <p:grpSpPr>
+        <a:xfrm>
+          <a:off x="0" y="0"/>
+          <a:ext cx="0" cy="0"/>
+          <a:chOff x="0" y="0"/>
+          <a:chExt cx="0" cy="0"/>
+        </a:xfrm>
+      </p:grpSpPr>
+      <p:sp>
+        <p:nvSpPr>
+          <p:cNvPr id="2" name="Title 1">
+            <a:extLst>
+              <a:ext uri="{FF2B5EF4-FFF2-40B4-BE49-F238E27FC236}">
+                <a16:creationId xmlns:a16="http://schemas.microsoft.com/office/drawing/2014/main" id="{84AF2C6F-2E29-4EF4-9987-606C026C122C}"/>
+              </a:ext>
+            </a:extLst>
+          </p:cNvPr>
+          <p:cNvSpPr>
+            <a:spLocks noGrp="1"/>
+          </p:cNvSpPr>
+          <p:nvPr>
+            <p:ph type="title"/>
+          </p:nvPr>
+        </p:nvSpPr>
+        <p:spPr/>
+        <p:txBody>
+          <a:bodyPr/>
+          <a:lstStyle/>
+          <a:p>
+            <a:r>
+              <a:rPr lang="en-SG" dirty="0"/>
+              <a:t>filter()</a:t>
+            </a:r>
+          </a:p>
+        </p:txBody>
+      </p:sp>
+      <p:sp>
+        <p:nvSpPr>
+          <p:cNvPr id="3" name="Content Placeholder 2">
+            <a:extLst>
+              <a:ext uri="{FF2B5EF4-FFF2-40B4-BE49-F238E27FC236}">
+                <a16:creationId xmlns:a16="http://schemas.microsoft.com/office/drawing/2014/main" id="{3BED6C77-360D-42FA-8C4D-A9B3067E1BF8}"/>
+              </a:ext>
+            </a:extLst>
+          </p:cNvPr>
+          <p:cNvSpPr>
+            <a:spLocks noGrp="1"/>
+          </p:cNvSpPr>
+          <p:nvPr>
+            <p:ph idx="1"/>
+          </p:nvPr>
+        </p:nvSpPr>
+        <p:spPr/>
+        <p:txBody>
+          <a:bodyPr>
+            <a:normAutofit/>
+          </a:bodyPr>
+          <a:lstStyle/>
+          <a:p>
+            <a:r>
+              <a:rPr lang="en-SG" dirty="0"/>
+              <a:t>The function is called with all the items in the list and a new list is returned which contains items for which the function evaluates to True.</a:t>
+            </a:r>
+          </a:p>
+          <a:p>
+            <a:pPr marL="0" indent="0">
+              <a:buNone/>
+            </a:pPr>
+            <a:r>
+              <a:rPr lang="en-SG" dirty="0"/>
+              <a:t># Program to filter out only the even items from a list</a:t>
+            </a:r>
+          </a:p>
+          <a:p>
+            <a:pPr marL="0" indent="0">
+              <a:buNone/>
+            </a:pPr>
+            <a:r>
+              <a:rPr lang="en-SG" dirty="0" err="1"/>
+              <a:t>my_list</a:t>
+            </a:r>
+            <a:r>
+              <a:rPr lang="en-SG" dirty="0"/>
+              <a:t> = [1, 5, 4, 6, 8, 11, 3, 12]</a:t>
+            </a:r>
+          </a:p>
+          <a:p>
+            <a:pPr marL="0" indent="0">
+              <a:buNone/>
+            </a:pPr>
+            <a:r>
+              <a:rPr lang="en-SG" dirty="0" err="1"/>
+              <a:t>new_list</a:t>
+            </a:r>
+            <a:r>
+              <a:rPr lang="en-SG" dirty="0"/>
+              <a:t> = list(filter(lambda x: (x%2 == 0) , </a:t>
+            </a:r>
+            <a:r>
+              <a:rPr lang="en-SG" dirty="0" err="1"/>
+              <a:t>my_list</a:t>
+            </a:r>
+            <a:r>
+              <a:rPr lang="en-SG" dirty="0"/>
+              <a:t>))</a:t>
+            </a:r>
+          </a:p>
+          <a:p>
+            <a:pPr marL="0" indent="0">
+              <a:buNone/>
+            </a:pPr>
+            <a:r>
+              <a:rPr lang="en-SG" dirty="0"/>
+              <a:t>print(</a:t>
+            </a:r>
+            <a:r>
+              <a:rPr lang="en-SG" dirty="0" err="1"/>
+              <a:t>new_list</a:t>
+            </a:r>
+            <a:r>
+              <a:rPr lang="en-SG" dirty="0"/>
+              <a:t>)</a:t>
+            </a:r>
+          </a:p>
+        </p:txBody>
+      </p:sp>
+    </p:spTree>
+    <p:custDataLst>
+      <p:tags r:id="rId1"/>
+    </p:custDataLst>
+    <p:extLst>
+      <p:ext uri="{BB962C8B-B14F-4D97-AF65-F5344CB8AC3E}">
+        <p14:creationId xmlns:p14="http://schemas.microsoft.com/office/powerpoint/2010/main" val="14309055"/>
+      </p:ext>
+    </p:extLst>
+  </p:cSld>
+  <p:clrMapOvr>
+    <a:masterClrMapping/>
+  </p:clrMapOvr>
+</p:sld>
+</file>
+
+<file path=ppt/slides/slide12.xml><?xml version="1.0" encoding="utf-8"?>
+<p:sld xmlns:a="http://schemas.openxmlformats.org/drawingml/2006/main" xmlns:r="http://schemas.openxmlformats.org/officeDocument/2006/relationships" xmlns:p="http://schemas.openxmlformats.org/presentationml/2006/main">
+  <p:cSld>
+    <p:spTree>
+      <p:nvGrpSpPr>
+        <p:cNvPr id="1" name=""/>
+        <p:cNvGrpSpPr/>
+        <p:nvPr/>
+      </p:nvGrpSpPr>
+      <p:grpSpPr>
+        <a:xfrm>
+          <a:off x="0" y="0"/>
+          <a:ext cx="0" cy="0"/>
+          <a:chOff x="0" y="0"/>
+          <a:chExt cx="0" cy="0"/>
+        </a:xfrm>
+      </p:grpSpPr>
+      <p:sp>
+        <p:nvSpPr>
+          <p:cNvPr id="2" name="Title 1">
+            <a:extLst>
+              <a:ext uri="{FF2B5EF4-FFF2-40B4-BE49-F238E27FC236}">
+                <a16:creationId xmlns:a16="http://schemas.microsoft.com/office/drawing/2014/main" id="{AE8E4C87-2F3B-431B-A5AD-7FDE709B801C}"/>
+              </a:ext>
+            </a:extLst>
+          </p:cNvPr>
+          <p:cNvSpPr>
+            <a:spLocks noGrp="1"/>
+          </p:cNvSpPr>
+          <p:nvPr>
+            <p:ph type="title"/>
+          </p:nvPr>
+        </p:nvSpPr>
+        <p:spPr/>
+        <p:txBody>
+          <a:bodyPr/>
+          <a:lstStyle/>
+          <a:p>
+            <a:r>
+              <a:rPr lang="en-SG" dirty="0"/>
+              <a:t>Generator</a:t>
+            </a:r>
+          </a:p>
+        </p:txBody>
+      </p:sp>
+      <p:sp>
+        <p:nvSpPr>
+          <p:cNvPr id="3" name="Content Placeholder 2">
+            <a:extLst>
+              <a:ext uri="{FF2B5EF4-FFF2-40B4-BE49-F238E27FC236}">
+                <a16:creationId xmlns:a16="http://schemas.microsoft.com/office/drawing/2014/main" id="{D9400831-1F2B-457B-818F-427BCCE94D8F}"/>
+              </a:ext>
+            </a:extLst>
+          </p:cNvPr>
+          <p:cNvSpPr>
+            <a:spLocks noGrp="1"/>
+          </p:cNvSpPr>
+          <p:nvPr>
+            <p:ph idx="1"/>
+          </p:nvPr>
+        </p:nvSpPr>
+        <p:spPr/>
+        <p:txBody>
+          <a:bodyPr/>
+          <a:lstStyle/>
+          <a:p>
+            <a:r>
+              <a:rPr lang="en-SG" dirty="0"/>
+              <a:t>Generator( or Generator </a:t>
+            </a:r>
+            <a:r>
+              <a:rPr lang="en-SG"/>
+              <a:t>Object ) is </a:t>
+            </a:r>
+            <a:r>
+              <a:rPr lang="en-SG" dirty="0"/>
+              <a:t>like a ticket Machine</a:t>
+            </a:r>
+          </a:p>
+          <a:p>
+            <a:r>
+              <a:rPr lang="en-SG" dirty="0"/>
+              <a:t>Store value of last ticket</a:t>
+            </a:r>
+          </a:p>
+          <a:p>
+            <a:r>
+              <a:rPr lang="en-SG" dirty="0"/>
+              <a:t>Generate the new value upon button press</a:t>
+            </a:r>
+          </a:p>
+          <a:p>
+            <a:pPr marL="0" indent="0">
+              <a:buNone/>
+            </a:pPr>
+            <a:r>
+              <a:rPr lang="en-SG" dirty="0"/>
+              <a:t>There are two type of generators</a:t>
+            </a:r>
+          </a:p>
+          <a:p>
+            <a:r>
+              <a:rPr lang="en-SG" dirty="0"/>
+              <a:t>Generator Expression</a:t>
+            </a:r>
+          </a:p>
+          <a:p>
+            <a:r>
+              <a:rPr lang="en-SG" dirty="0"/>
+              <a:t>Generator Function</a:t>
+            </a:r>
+          </a:p>
+        </p:txBody>
+      </p:sp>
+    </p:spTree>
+    <p:extLst>
+      <p:ext uri="{BB962C8B-B14F-4D97-AF65-F5344CB8AC3E}">
+        <p14:creationId xmlns:p14="http://schemas.microsoft.com/office/powerpoint/2010/main" val="3424070383"/>
+      </p:ext>
+    </p:extLst>
+  </p:cSld>
+  <p:clrMapOvr>
+    <a:masterClrMapping/>
+  </p:clrMapOvr>
+</p:sld>
+</file>
+
+<file path=ppt/slides/slide13.xml><?xml version="1.0" encoding="utf-8"?>
+<p:sld xmlns:a="http://schemas.openxmlformats.org/drawingml/2006/main" xmlns:r="http://schemas.openxmlformats.org/officeDocument/2006/relationships" xmlns:p="http://schemas.openxmlformats.org/presentationml/2006/main">
+  <p:cSld>
+    <p:spTree>
+      <p:nvGrpSpPr>
+        <p:cNvPr id="1" name=""/>
+        <p:cNvGrpSpPr/>
+        <p:nvPr/>
+      </p:nvGrpSpPr>
+      <p:grpSpPr>
+        <a:xfrm>
+          <a:off x="0" y="0"/>
+          <a:ext cx="0" cy="0"/>
+          <a:chOff x="0" y="0"/>
+          <a:chExt cx="0" cy="0"/>
+        </a:xfrm>
+      </p:grpSpPr>
+      <p:sp>
+        <p:nvSpPr>
+          <p:cNvPr id="2" name="Title 1">
+            <a:extLst>
+              <a:ext uri="{FF2B5EF4-FFF2-40B4-BE49-F238E27FC236}">
                 <a16:creationId xmlns:a16="http://schemas.microsoft.com/office/drawing/2014/main" id="{1922AD0E-196C-42A9-B4C8-19E2BDCB9D8C}"/>
               </a:ext>
             </a:extLst>
@@ -9052,7 +9503,7 @@
 </p:sld>
 </file>
 
-<file path=ppt/slides/slide11.xml><?xml version="1.0" encoding="utf-8"?>
+<file path=ppt/slides/slide14.xml><?xml version="1.0" encoding="utf-8"?>
 <p:sld xmlns:a="http://schemas.openxmlformats.org/drawingml/2006/main" xmlns:r="http://schemas.openxmlformats.org/officeDocument/2006/relationships" xmlns:p="http://schemas.openxmlformats.org/presentationml/2006/main">
   <p:cSld>
     <p:spTree>
@@ -9221,7 +9672,7 @@
 </p:sld>
 </file>
 
-<file path=ppt/slides/slide12.xml><?xml version="1.0" encoding="utf-8"?>
+<file path=ppt/slides/slide15.xml><?xml version="1.0" encoding="utf-8"?>
 <p:sld xmlns:a="http://schemas.openxmlformats.org/drawingml/2006/main" xmlns:r="http://schemas.openxmlformats.org/officeDocument/2006/relationships" xmlns:p="http://schemas.openxmlformats.org/presentationml/2006/main">
   <p:cSld>
     <p:spTree>
@@ -9436,7 +9887,7 @@
 </p:sld>
 </file>
 
-<file path=ppt/slides/slide13.xml><?xml version="1.0" encoding="utf-8"?>
+<file path=ppt/slides/slide16.xml><?xml version="1.0" encoding="utf-8"?>
 <p:sld xmlns:a="http://schemas.openxmlformats.org/drawingml/2006/main" xmlns:r="http://schemas.openxmlformats.org/officeDocument/2006/relationships" xmlns:p="http://schemas.openxmlformats.org/presentationml/2006/main">
   <p:cSld>
     <p:spTree>
@@ -9572,7 +10023,7 @@
 </p:sld>
 </file>
 
-<file path=ppt/slides/slide14.xml><?xml version="1.0" encoding="utf-8"?>
+<file path=ppt/slides/slide17.xml><?xml version="1.0" encoding="utf-8"?>
 <p:sld xmlns:a="http://schemas.openxmlformats.org/drawingml/2006/main" xmlns:r="http://schemas.openxmlformats.org/officeDocument/2006/relationships" xmlns:p="http://schemas.openxmlformats.org/presentationml/2006/main">
   <p:cSld>
     <p:spTree>
@@ -9793,7 +10244,7 @@
 </p:sld>
 </file>
 
-<file path=ppt/slides/slide15.xml><?xml version="1.0" encoding="utf-8"?>
+<file path=ppt/slides/slide18.xml><?xml version="1.0" encoding="utf-8"?>
 <p:sld xmlns:a="http://schemas.openxmlformats.org/drawingml/2006/main" xmlns:r="http://schemas.openxmlformats.org/officeDocument/2006/relationships" xmlns:p="http://schemas.openxmlformats.org/presentationml/2006/main">
   <p:cSld>
     <p:spTree>
@@ -9898,7 +10349,7 @@
           <p:cNvPr id="2" name="Title 1">
             <a:extLst>
               <a:ext uri="{FF2B5EF4-FFF2-40B4-BE49-F238E27FC236}">
-                <a16:creationId xmlns:a16="http://schemas.microsoft.com/office/drawing/2014/main" id="{E1500942-AB7F-4A18-BB2A-D2CC6D1BF1C5}"/>
+                <a16:creationId xmlns:a16="http://schemas.microsoft.com/office/drawing/2014/main" id="{143ADA7D-FDFA-4148-8350-9D2242916D6F}"/>
               </a:ext>
             </a:extLst>
           </p:cNvPr>
@@ -9914,19 +10365,7 @@
           <a:bodyPr/>
           <a:lstStyle/>
           <a:p>
-            <a:r>
-              <a:rPr lang="en-SG" dirty="0" err="1"/>
-              <a:t>Lamda</a:t>
-            </a:r>
-            <a:r>
-              <a:rPr lang="en-SG" dirty="0"/>
-              <a:t> </a:t>
-            </a:r>
-            <a:r>
-              <a:rPr lang="en-SG" dirty="0" err="1"/>
-              <a:t>funtion</a:t>
-            </a:r>
-            <a:endParaRPr lang="en-SG" dirty="0"/>
+            <a:endParaRPr lang="en-SG"/>
           </a:p>
         </p:txBody>
       </p:sp>
@@ -9935,7 +10374,7 @@
           <p:cNvPr id="3" name="Content Placeholder 2">
             <a:extLst>
               <a:ext uri="{FF2B5EF4-FFF2-40B4-BE49-F238E27FC236}">
-                <a16:creationId xmlns:a16="http://schemas.microsoft.com/office/drawing/2014/main" id="{0D90DBE2-D0EB-4CB0-9803-47F1D536559E}"/>
+                <a16:creationId xmlns:a16="http://schemas.microsoft.com/office/drawing/2014/main" id="{254AE761-8FF8-4886-8354-50C12252BC55}"/>
               </a:ext>
             </a:extLst>
           </p:cNvPr>
@@ -9948,27 +10387,17 @@
         </p:nvSpPr>
         <p:spPr/>
         <p:txBody>
-          <a:bodyPr/>
+          <a:bodyPr>
+            <a:normAutofit/>
+          </a:bodyPr>
           <a:lstStyle/>
-          <a:p>
-            <a:r>
-              <a:rPr lang="en-SG" dirty="0"/>
-              <a:t>Since map() expects a function to be passed in, lambda functions are commonly used while working with map() functions.</a:t>
-            </a:r>
-          </a:p>
-          <a:p>
-            <a:r>
-              <a:rPr lang="en-SG" dirty="0"/>
-              <a:t>A lambda function is a short function without a name.</a:t>
-            </a:r>
-          </a:p>
           <a:p>
             <a:pPr marL="0" indent="0">
               <a:buNone/>
             </a:pPr>
             <a:r>
               <a:rPr lang="en-SG" dirty="0"/>
-              <a:t># Program to show the use of lambda functions</a:t>
+              <a:t>numbers = [1, 2, 3, 4, 5]</a:t>
             </a:r>
           </a:p>
           <a:p>
@@ -9977,7 +10406,7 @@
             </a:pPr>
             <a:r>
               <a:rPr lang="en-SG" dirty="0"/>
-              <a:t>double = lambda x: x * 2</a:t>
+              <a:t>squared = []</a:t>
             </a:r>
           </a:p>
           <a:p>
@@ -9986,7 +10415,58 @@
             </a:pPr>
             <a:r>
               <a:rPr lang="en-SG" dirty="0"/>
-              <a:t>print(double(5))</a:t>
+              <a:t>for </a:t>
+            </a:r>
+            <a:r>
+              <a:rPr lang="en-SG" dirty="0" err="1"/>
+              <a:t>num</a:t>
+            </a:r>
+            <a:r>
+              <a:rPr lang="en-SG" dirty="0"/>
+              <a:t> in numbers:</a:t>
+            </a:r>
+          </a:p>
+          <a:p>
+            <a:pPr marL="0" indent="0">
+              <a:buNone/>
+            </a:pPr>
+            <a:r>
+              <a:rPr lang="en-SG" dirty="0"/>
+              <a:t>	 </a:t>
+            </a:r>
+            <a:r>
+              <a:rPr lang="en-SG" dirty="0" err="1"/>
+              <a:t>squared.append</a:t>
+            </a:r>
+            <a:r>
+              <a:rPr lang="en-SG" dirty="0"/>
+              <a:t>(</a:t>
+            </a:r>
+            <a:r>
+              <a:rPr lang="en-SG" dirty="0" err="1"/>
+              <a:t>num</a:t>
+            </a:r>
+            <a:r>
+              <a:rPr lang="en-SG" dirty="0"/>
+              <a:t> ** 2)</a:t>
+            </a:r>
+          </a:p>
+          <a:p>
+            <a:pPr marL="0" indent="0">
+              <a:buNone/>
+            </a:pPr>
+            <a:r>
+              <a:rPr lang="en-SG" dirty="0"/>
+              <a:t>print(squared)</a:t>
+            </a:r>
+          </a:p>
+          <a:p>
+            <a:pPr marL="0" indent="0">
+              <a:buNone/>
+            </a:pPr>
+            <a:r>
+              <a:rPr lang="en-SG" dirty="0"/>
+              <a:t>1, 4, 9, 16, 25]</a:t>
             </a:r>
           </a:p>
         </p:txBody>
@@ -9997,7 +10477,7 @@
     </p:custDataLst>
     <p:extLst>
       <p:ext uri="{BB962C8B-B14F-4D97-AF65-F5344CB8AC3E}">
-        <p14:creationId xmlns:p14="http://schemas.microsoft.com/office/powerpoint/2010/main" val="979717249"/>
+        <p14:creationId xmlns:p14="http://schemas.microsoft.com/office/powerpoint/2010/main" val="1646016275"/>
       </p:ext>
     </p:extLst>
   </p:cSld>
@@ -10029,7 +10509,7 @@
           <p:cNvPr id="2" name="Title 1">
             <a:extLst>
               <a:ext uri="{FF2B5EF4-FFF2-40B4-BE49-F238E27FC236}">
-                <a16:creationId xmlns:a16="http://schemas.microsoft.com/office/drawing/2014/main" id="{E1500942-AB7F-4A18-BB2A-D2CC6D1BF1C5}"/>
+                <a16:creationId xmlns:a16="http://schemas.microsoft.com/office/drawing/2014/main" id="{89D62C53-4084-490F-9A8B-52275D26005F}"/>
               </a:ext>
             </a:extLst>
           </p:cNvPr>
@@ -10045,79 +10525,908 @@
           <a:bodyPr/>
           <a:lstStyle/>
           <a:p>
-            <a:r>
-              <a:rPr lang="en-SG" dirty="0" err="1"/>
-              <a:t>Lamda</a:t>
-            </a:r>
-            <a:r>
-              <a:rPr lang="en-SG" dirty="0"/>
-              <a:t> </a:t>
-            </a:r>
-            <a:r>
-              <a:rPr lang="en-SG" dirty="0" err="1"/>
-              <a:t>funtion</a:t>
-            </a:r>
-            <a:endParaRPr lang="en-SG" dirty="0"/>
+            <a:endParaRPr lang="en-SG"/>
           </a:p>
         </p:txBody>
       </p:sp>
       <p:sp>
         <p:nvSpPr>
-          <p:cNvPr id="3" name="Content Placeholder 2">
+          <p:cNvPr id="6" name="Rectangle 3">
             <a:extLst>
               <a:ext uri="{FF2B5EF4-FFF2-40B4-BE49-F238E27FC236}">
-                <a16:creationId xmlns:a16="http://schemas.microsoft.com/office/drawing/2014/main" id="{0D90DBE2-D0EB-4CB0-9803-47F1D536559E}"/>
+                <a16:creationId xmlns:a16="http://schemas.microsoft.com/office/drawing/2014/main" id="{DBB66978-47DD-463D-A6DE-B5C334EE2041}"/>
               </a:ext>
             </a:extLst>
           </p:cNvPr>
           <p:cNvSpPr>
-            <a:spLocks noGrp="1"/>
+            <a:spLocks noChangeArrowheads="1"/>
           </p:cNvSpPr>
-          <p:nvPr>
-            <p:ph idx="1"/>
-          </p:nvPr>
+          <p:nvPr/>
         </p:nvSpPr>
-        <p:spPr/>
+        <p:spPr bwMode="auto">
+          <a:xfrm>
+            <a:off x="1069848" y="1941499"/>
+            <a:ext cx="9634010" cy="3250121"/>
+          </a:xfrm>
+          <a:prstGeom prst="rect">
+            <a:avLst/>
+          </a:prstGeom>
+          <a:solidFill>
+            <a:srgbClr val="F6F6F6"/>
+          </a:solidFill>
+          <a:ln>
+            <a:noFill/>
+          </a:ln>
+          <a:effectLst/>
+          <a:extLst>
+            <a:ext uri="{91240B29-F687-4F45-9708-019B960494DF}">
+              <a14:hiddenLine xmlns:a14="http://schemas.microsoft.com/office/drawing/2010/main" w="9525">
+                <a:solidFill>
+                  <a:schemeClr val="tx1"/>
+                </a:solidFill>
+                <a:miter lim="800000"/>
+                <a:headEnd/>
+                <a:tailEnd/>
+              </a14:hiddenLine>
+            </a:ext>
+            <a:ext uri="{AF507438-7753-43E0-B8FC-AC1667EBCBE1}">
+              <a14:hiddenEffects xmlns:a14="http://schemas.microsoft.com/office/drawing/2010/main">
+                <a:effectLst>
+                  <a:outerShdw dist="35921" dir="2700000" algn="ctr" rotWithShape="0">
+                    <a:schemeClr val="bg2"/>
+                  </a:outerShdw>
+                </a:effectLst>
+              </a14:hiddenEffects>
+            </a:ext>
+          </a:extLst>
+        </p:spPr>
         <p:txBody>
-          <a:bodyPr/>
+          <a:bodyPr vert="horz" wrap="square" lIns="91440" tIns="0" rIns="91440" bIns="0" numCol="1" anchor="ctr" anchorCtr="0" compatLnSpc="1">
+            <a:prstTxWarp prst="textNoShape">
+              <a:avLst/>
+            </a:prstTxWarp>
+            <a:spAutoFit/>
+          </a:bodyPr>
           <a:lstStyle/>
           <a:p>
-            <a:r>
-              <a:rPr lang="en-SG" dirty="0"/>
-              <a:t>def </a:t>
-            </a:r>
-            <a:r>
-              <a:rPr lang="en-SG" dirty="0" err="1"/>
-              <a:t>my_function</a:t>
-            </a:r>
-            <a:r>
-              <a:rPr lang="en-SG" dirty="0"/>
-              <a:t>(x):</a:t>
-            </a:r>
-          </a:p>
-          <a:p>
-            <a:r>
-              <a:rPr lang="en-SG" dirty="0"/>
-              <a:t>       return (x)</a:t>
-            </a:r>
-          </a:p>
-          <a:p>
-            <a:r>
-              <a:rPr lang="en-SG" dirty="0"/>
-              <a:t>#using lambda function</a:t>
-            </a:r>
-          </a:p>
-          <a:p>
-            <a:r>
-              <a:rPr lang="en-SG" dirty="0"/>
-              <a:t>ret=lambda x:x+1</a:t>
-            </a:r>
-          </a:p>
-          <a:p>
-            <a:r>
-              <a:rPr lang="en-SG" dirty="0"/>
-              <a:t>print(ret(1))</a:t>
-            </a:r>
+            <a:pPr marL="0" marR="0" lvl="0" indent="0" algn="l" defTabSz="914400" rtl="0" eaLnBrk="0" fontAlgn="base" latinLnBrk="0" hangingPunct="0">
+              <a:lnSpc>
+                <a:spcPct val="100000"/>
+              </a:lnSpc>
+              <a:spcBef>
+                <a:spcPct val="0"/>
+              </a:spcBef>
+              <a:spcAft>
+                <a:spcPct val="0"/>
+              </a:spcAft>
+              <a:buClrTx/>
+              <a:buSzTx/>
+              <a:buFontTx/>
+              <a:buNone/>
+              <a:tabLst/>
+            </a:pPr>
+            <a:r>
+              <a:rPr kumimoji="0" lang="en-US" altLang="en-US" sz="3200" b="0" i="0" u="none" strike="noStrike" cap="none" normalizeH="0" baseline="0" dirty="0">
+                <a:ln>
+                  <a:noFill/>
+                </a:ln>
+                <a:solidFill>
+                  <a:srgbClr val="204A87"/>
+                </a:solidFill>
+                <a:effectLst/>
+                <a:latin typeface="Arial Unicode MS"/>
+                <a:ea typeface="SFMono-Regular"/>
+              </a:rPr>
+              <a:t>def</a:t>
+            </a:r>
+            <a:r>
+              <a:rPr kumimoji="0" lang="en-US" altLang="en-US" sz="3200" b="0" i="0" u="none" strike="noStrike" cap="none" normalizeH="0" baseline="0" dirty="0">
+                <a:ln>
+                  <a:noFill/>
+                </a:ln>
+                <a:solidFill>
+                  <a:srgbClr val="212529"/>
+                </a:solidFill>
+                <a:effectLst/>
+                <a:latin typeface="Arial Unicode MS"/>
+                <a:ea typeface="SFMono-Regular"/>
+              </a:rPr>
+              <a:t> </a:t>
+            </a:r>
+            <a:r>
+              <a:rPr kumimoji="0" lang="en-US" altLang="en-US" sz="3200" b="0" i="0" u="none" strike="noStrike" cap="none" normalizeH="0" baseline="0" dirty="0">
+                <a:ln>
+                  <a:noFill/>
+                </a:ln>
+                <a:solidFill>
+                  <a:srgbClr val="000000"/>
+                </a:solidFill>
+                <a:effectLst/>
+                <a:latin typeface="Arial Unicode MS"/>
+                <a:ea typeface="SFMono-Regular"/>
+              </a:rPr>
+              <a:t>square(</a:t>
+            </a:r>
+            <a:r>
+              <a:rPr kumimoji="0" lang="en-US" altLang="en-US" sz="3200" b="0" i="0" u="none" strike="noStrike" cap="none" normalizeH="0" baseline="0" dirty="0">
+                <a:ln>
+                  <a:noFill/>
+                </a:ln>
+                <a:solidFill>
+                  <a:srgbClr val="000000"/>
+                </a:solidFill>
+                <a:effectLst/>
+                <a:latin typeface="Arial" panose="020B0604020202020204" pitchFamily="34" charset="0"/>
+              </a:rPr>
+              <a:t>number</a:t>
+            </a:r>
+            <a:r>
+              <a:rPr kumimoji="0" lang="en-US" altLang="en-US" sz="3200" b="0" i="0" u="none" strike="noStrike" cap="none" normalizeH="0" baseline="0" dirty="0">
+                <a:ln>
+                  <a:noFill/>
+                </a:ln>
+                <a:solidFill>
+                  <a:srgbClr val="000000"/>
+                </a:solidFill>
+                <a:effectLst/>
+                <a:latin typeface="Arial Unicode MS"/>
+                <a:ea typeface="SFMono-Regular"/>
+              </a:rPr>
+              <a:t>):</a:t>
+            </a:r>
+          </a:p>
+          <a:p>
+            <a:pPr marL="0" marR="0" lvl="0" indent="0" algn="l" defTabSz="914400" rtl="0" eaLnBrk="0" fontAlgn="base" latinLnBrk="0" hangingPunct="0">
+              <a:lnSpc>
+                <a:spcPct val="100000"/>
+              </a:lnSpc>
+              <a:spcBef>
+                <a:spcPct val="0"/>
+              </a:spcBef>
+              <a:spcAft>
+                <a:spcPct val="0"/>
+              </a:spcAft>
+              <a:buClrTx/>
+              <a:buSzTx/>
+              <a:buFontTx/>
+              <a:buNone/>
+              <a:tabLst/>
+            </a:pPr>
+            <a:r>
+              <a:rPr lang="en-US" altLang="en-US" sz="3200" dirty="0">
+                <a:solidFill>
+                  <a:srgbClr val="000000"/>
+                </a:solidFill>
+                <a:latin typeface="Arial Unicode MS"/>
+                <a:ea typeface="SFMono-Regular"/>
+              </a:rPr>
+              <a:t>	</a:t>
+            </a:r>
+            <a:r>
+              <a:rPr kumimoji="0" lang="en-US" altLang="en-US" sz="3200" b="0" i="0" u="none" strike="noStrike" cap="none" normalizeH="0" baseline="0" dirty="0">
+                <a:ln>
+                  <a:noFill/>
+                </a:ln>
+                <a:solidFill>
+                  <a:srgbClr val="204A87"/>
+                </a:solidFill>
+                <a:effectLst/>
+                <a:latin typeface="Arial Unicode MS"/>
+                <a:ea typeface="SFMono-Regular"/>
+              </a:rPr>
+              <a:t>return</a:t>
+            </a:r>
+            <a:r>
+              <a:rPr kumimoji="0" lang="en-US" altLang="en-US" sz="3200" b="0" i="0" u="none" strike="noStrike" cap="none" normalizeH="0" baseline="0" dirty="0">
+                <a:ln>
+                  <a:noFill/>
+                </a:ln>
+                <a:solidFill>
+                  <a:srgbClr val="212529"/>
+                </a:solidFill>
+                <a:effectLst/>
+                <a:latin typeface="Arial Unicode MS"/>
+                <a:ea typeface="SFMono-Regular"/>
+              </a:rPr>
+              <a:t> </a:t>
+            </a:r>
+            <a:r>
+              <a:rPr kumimoji="0" lang="en-US" altLang="en-US" sz="3200" b="0" i="0" u="none" strike="noStrike" cap="none" normalizeH="0" baseline="0" dirty="0">
+                <a:ln>
+                  <a:noFill/>
+                </a:ln>
+                <a:solidFill>
+                  <a:srgbClr val="000000"/>
+                </a:solidFill>
+                <a:effectLst/>
+                <a:latin typeface="Arial" panose="020B0604020202020204" pitchFamily="34" charset="0"/>
+              </a:rPr>
+              <a:t>number</a:t>
+            </a:r>
+            <a:r>
+              <a:rPr kumimoji="0" lang="en-US" altLang="en-US" sz="3200" b="0" i="0" u="none" strike="noStrike" cap="none" normalizeH="0" baseline="0" dirty="0">
+                <a:ln>
+                  <a:noFill/>
+                </a:ln>
+                <a:solidFill>
+                  <a:srgbClr val="212529"/>
+                </a:solidFill>
+                <a:effectLst/>
+                <a:latin typeface="Arial Unicode MS"/>
+                <a:ea typeface="SFMono-Regular"/>
+              </a:rPr>
+              <a:t> </a:t>
+            </a:r>
+            <a:r>
+              <a:rPr kumimoji="0" lang="en-US" altLang="en-US" sz="3200" b="0" i="0" u="none" strike="noStrike" cap="none" normalizeH="0" baseline="0" dirty="0">
+                <a:ln>
+                  <a:noFill/>
+                </a:ln>
+                <a:solidFill>
+                  <a:srgbClr val="CE5C00"/>
+                </a:solidFill>
+                <a:effectLst/>
+                <a:latin typeface="Arial" panose="020B0604020202020204" pitchFamily="34" charset="0"/>
+              </a:rPr>
+              <a:t>**</a:t>
+            </a:r>
+            <a:r>
+              <a:rPr kumimoji="0" lang="en-US" altLang="en-US" sz="3200" b="0" i="0" u="none" strike="noStrike" cap="none" normalizeH="0" baseline="0" dirty="0">
+                <a:ln>
+                  <a:noFill/>
+                </a:ln>
+                <a:solidFill>
+                  <a:srgbClr val="212529"/>
+                </a:solidFill>
+                <a:effectLst/>
+                <a:latin typeface="Arial Unicode MS"/>
+                <a:ea typeface="SFMono-Regular"/>
+              </a:rPr>
+              <a:t> </a:t>
+            </a:r>
+            <a:r>
+              <a:rPr kumimoji="0" lang="en-US" altLang="en-US" sz="3200" b="0" i="0" u="none" strike="noStrike" cap="none" normalizeH="0" baseline="0" dirty="0">
+                <a:ln>
+                  <a:noFill/>
+                </a:ln>
+                <a:solidFill>
+                  <a:srgbClr val="0000CF"/>
+                </a:solidFill>
+                <a:effectLst/>
+                <a:latin typeface="Arial Unicode MS"/>
+                <a:ea typeface="SFMono-Regular"/>
+              </a:rPr>
+              <a:t>2</a:t>
+            </a:r>
+            <a:r>
+              <a:rPr kumimoji="0" lang="en-US" altLang="en-US" sz="3200" b="0" i="0" u="none" strike="noStrike" cap="none" normalizeH="0" baseline="0" dirty="0">
+                <a:ln>
+                  <a:noFill/>
+                </a:ln>
+                <a:solidFill>
+                  <a:srgbClr val="212529"/>
+                </a:solidFill>
+                <a:effectLst/>
+                <a:latin typeface="Arial Unicode MS"/>
+                <a:ea typeface="SFMono-Regular"/>
+              </a:rPr>
+              <a:t> </a:t>
+            </a:r>
+          </a:p>
+          <a:p>
+            <a:pPr marL="0" marR="0" lvl="0" indent="0" algn="l" defTabSz="914400" rtl="0" eaLnBrk="0" fontAlgn="base" latinLnBrk="0" hangingPunct="0">
+              <a:lnSpc>
+                <a:spcPct val="100000"/>
+              </a:lnSpc>
+              <a:spcBef>
+                <a:spcPct val="0"/>
+              </a:spcBef>
+              <a:spcAft>
+                <a:spcPct val="0"/>
+              </a:spcAft>
+              <a:buClrTx/>
+              <a:buSzTx/>
+              <a:buFontTx/>
+              <a:buNone/>
+              <a:tabLst/>
+            </a:pPr>
+            <a:r>
+              <a:rPr kumimoji="0" lang="en-US" altLang="en-US" sz="3200" b="0" i="0" u="none" strike="noStrike" cap="none" normalizeH="0" baseline="0" dirty="0">
+                <a:ln>
+                  <a:noFill/>
+                </a:ln>
+                <a:solidFill>
+                  <a:srgbClr val="000000"/>
+                </a:solidFill>
+                <a:effectLst/>
+                <a:latin typeface="Arial" panose="020B0604020202020204" pitchFamily="34" charset="0"/>
+              </a:rPr>
+              <a:t>numbers</a:t>
+            </a:r>
+            <a:r>
+              <a:rPr kumimoji="0" lang="en-US" altLang="en-US" sz="3200" b="0" i="0" u="none" strike="noStrike" cap="none" normalizeH="0" baseline="0" dirty="0">
+                <a:ln>
+                  <a:noFill/>
+                </a:ln>
+                <a:solidFill>
+                  <a:srgbClr val="212529"/>
+                </a:solidFill>
+                <a:effectLst/>
+                <a:latin typeface="Arial Unicode MS"/>
+                <a:ea typeface="SFMono-Regular"/>
+              </a:rPr>
+              <a:t> </a:t>
+            </a:r>
+            <a:r>
+              <a:rPr kumimoji="0" lang="en-US" altLang="en-US" sz="3200" b="0" i="0" u="none" strike="noStrike" cap="none" normalizeH="0" baseline="0" dirty="0">
+                <a:ln>
+                  <a:noFill/>
+                </a:ln>
+                <a:solidFill>
+                  <a:srgbClr val="CE5C00"/>
+                </a:solidFill>
+                <a:effectLst/>
+                <a:latin typeface="Arial" panose="020B0604020202020204" pitchFamily="34" charset="0"/>
+              </a:rPr>
+              <a:t>=</a:t>
+            </a:r>
+            <a:r>
+              <a:rPr kumimoji="0" lang="en-US" altLang="en-US" sz="3200" b="0" i="0" u="none" strike="noStrike" cap="none" normalizeH="0" baseline="0" dirty="0">
+                <a:ln>
+                  <a:noFill/>
+                </a:ln>
+                <a:solidFill>
+                  <a:srgbClr val="212529"/>
+                </a:solidFill>
+                <a:effectLst/>
+                <a:latin typeface="Arial Unicode MS"/>
+                <a:ea typeface="SFMono-Regular"/>
+              </a:rPr>
+              <a:t> </a:t>
+            </a:r>
+            <a:r>
+              <a:rPr kumimoji="0" lang="en-US" altLang="en-US" sz="3200" b="0" i="0" u="none" strike="noStrike" cap="none" normalizeH="0" baseline="0" dirty="0">
+                <a:ln>
+                  <a:noFill/>
+                </a:ln>
+                <a:solidFill>
+                  <a:srgbClr val="000000"/>
+                </a:solidFill>
+                <a:effectLst/>
+                <a:latin typeface="Arial Unicode MS"/>
+                <a:ea typeface="SFMono-Regular"/>
+              </a:rPr>
+              <a:t>[</a:t>
+            </a:r>
+            <a:r>
+              <a:rPr kumimoji="0" lang="en-US" altLang="en-US" sz="3200" b="0" i="0" u="none" strike="noStrike" cap="none" normalizeH="0" baseline="0" dirty="0">
+                <a:ln>
+                  <a:noFill/>
+                </a:ln>
+                <a:solidFill>
+                  <a:srgbClr val="0000CF"/>
+                </a:solidFill>
+                <a:effectLst/>
+                <a:latin typeface="Arial Unicode MS"/>
+                <a:ea typeface="SFMono-Regular"/>
+              </a:rPr>
+              <a:t>1</a:t>
+            </a:r>
+            <a:r>
+              <a:rPr kumimoji="0" lang="en-US" altLang="en-US" sz="3200" b="0" i="0" u="none" strike="noStrike" cap="none" normalizeH="0" baseline="0" dirty="0">
+                <a:ln>
+                  <a:noFill/>
+                </a:ln>
+                <a:solidFill>
+                  <a:srgbClr val="000000"/>
+                </a:solidFill>
+                <a:effectLst/>
+                <a:latin typeface="Arial Unicode MS"/>
+                <a:ea typeface="SFMono-Regular"/>
+              </a:rPr>
+              <a:t>,</a:t>
+            </a:r>
+            <a:r>
+              <a:rPr kumimoji="0" lang="en-US" altLang="en-US" sz="3200" b="0" i="0" u="none" strike="noStrike" cap="none" normalizeH="0" baseline="0" dirty="0">
+                <a:ln>
+                  <a:noFill/>
+                </a:ln>
+                <a:solidFill>
+                  <a:srgbClr val="212529"/>
+                </a:solidFill>
+                <a:effectLst/>
+                <a:latin typeface="Arial Unicode MS"/>
+                <a:ea typeface="SFMono-Regular"/>
+              </a:rPr>
+              <a:t> </a:t>
+            </a:r>
+            <a:r>
+              <a:rPr kumimoji="0" lang="en-US" altLang="en-US" sz="3200" b="0" i="0" u="none" strike="noStrike" cap="none" normalizeH="0" baseline="0" dirty="0">
+                <a:ln>
+                  <a:noFill/>
+                </a:ln>
+                <a:solidFill>
+                  <a:srgbClr val="0000CF"/>
+                </a:solidFill>
+                <a:effectLst/>
+                <a:latin typeface="Arial Unicode MS"/>
+                <a:ea typeface="SFMono-Regular"/>
+              </a:rPr>
+              <a:t>2</a:t>
+            </a:r>
+            <a:r>
+              <a:rPr kumimoji="0" lang="en-US" altLang="en-US" sz="3200" b="0" i="0" u="none" strike="noStrike" cap="none" normalizeH="0" baseline="0" dirty="0">
+                <a:ln>
+                  <a:noFill/>
+                </a:ln>
+                <a:solidFill>
+                  <a:srgbClr val="000000"/>
+                </a:solidFill>
+                <a:effectLst/>
+                <a:latin typeface="Arial Unicode MS"/>
+                <a:ea typeface="SFMono-Regular"/>
+              </a:rPr>
+              <a:t>,</a:t>
+            </a:r>
+            <a:r>
+              <a:rPr kumimoji="0" lang="en-US" altLang="en-US" sz="3200" b="0" i="0" u="none" strike="noStrike" cap="none" normalizeH="0" baseline="0" dirty="0">
+                <a:ln>
+                  <a:noFill/>
+                </a:ln>
+                <a:solidFill>
+                  <a:srgbClr val="212529"/>
+                </a:solidFill>
+                <a:effectLst/>
+                <a:latin typeface="Arial Unicode MS"/>
+                <a:ea typeface="SFMono-Regular"/>
+              </a:rPr>
+              <a:t> </a:t>
+            </a:r>
+            <a:r>
+              <a:rPr kumimoji="0" lang="en-US" altLang="en-US" sz="3200" b="0" i="0" u="none" strike="noStrike" cap="none" normalizeH="0" baseline="0" dirty="0">
+                <a:ln>
+                  <a:noFill/>
+                </a:ln>
+                <a:solidFill>
+                  <a:srgbClr val="0000CF"/>
+                </a:solidFill>
+                <a:effectLst/>
+                <a:latin typeface="Arial Unicode MS"/>
+                <a:ea typeface="SFMono-Regular"/>
+              </a:rPr>
+              <a:t>3</a:t>
+            </a:r>
+            <a:r>
+              <a:rPr kumimoji="0" lang="en-US" altLang="en-US" sz="3200" b="0" i="0" u="none" strike="noStrike" cap="none" normalizeH="0" baseline="0" dirty="0">
+                <a:ln>
+                  <a:noFill/>
+                </a:ln>
+                <a:solidFill>
+                  <a:srgbClr val="000000"/>
+                </a:solidFill>
+                <a:effectLst/>
+                <a:latin typeface="Arial Unicode MS"/>
+                <a:ea typeface="SFMono-Regular"/>
+              </a:rPr>
+              <a:t>,</a:t>
+            </a:r>
+            <a:r>
+              <a:rPr kumimoji="0" lang="en-US" altLang="en-US" sz="3200" b="0" i="0" u="none" strike="noStrike" cap="none" normalizeH="0" baseline="0" dirty="0">
+                <a:ln>
+                  <a:noFill/>
+                </a:ln>
+                <a:solidFill>
+                  <a:srgbClr val="212529"/>
+                </a:solidFill>
+                <a:effectLst/>
+                <a:latin typeface="Arial Unicode MS"/>
+                <a:ea typeface="SFMono-Regular"/>
+              </a:rPr>
+              <a:t> </a:t>
+            </a:r>
+            <a:r>
+              <a:rPr kumimoji="0" lang="en-US" altLang="en-US" sz="3200" b="0" i="0" u="none" strike="noStrike" cap="none" normalizeH="0" baseline="0" dirty="0">
+                <a:ln>
+                  <a:noFill/>
+                </a:ln>
+                <a:solidFill>
+                  <a:srgbClr val="0000CF"/>
+                </a:solidFill>
+                <a:effectLst/>
+                <a:latin typeface="Arial Unicode MS"/>
+                <a:ea typeface="SFMono-Regular"/>
+              </a:rPr>
+              <a:t>4</a:t>
+            </a:r>
+            <a:r>
+              <a:rPr kumimoji="0" lang="en-US" altLang="en-US" sz="3200" b="0" i="0" u="none" strike="noStrike" cap="none" normalizeH="0" baseline="0" dirty="0">
+                <a:ln>
+                  <a:noFill/>
+                </a:ln>
+                <a:solidFill>
+                  <a:srgbClr val="000000"/>
+                </a:solidFill>
+                <a:effectLst/>
+                <a:latin typeface="Arial Unicode MS"/>
+                <a:ea typeface="SFMono-Regular"/>
+              </a:rPr>
+              <a:t>,</a:t>
+            </a:r>
+            <a:r>
+              <a:rPr kumimoji="0" lang="en-US" altLang="en-US" sz="3200" b="0" i="0" u="none" strike="noStrike" cap="none" normalizeH="0" baseline="0" dirty="0">
+                <a:ln>
+                  <a:noFill/>
+                </a:ln>
+                <a:solidFill>
+                  <a:srgbClr val="212529"/>
+                </a:solidFill>
+                <a:effectLst/>
+                <a:latin typeface="Arial Unicode MS"/>
+                <a:ea typeface="SFMono-Regular"/>
+              </a:rPr>
+              <a:t> </a:t>
+            </a:r>
+            <a:r>
+              <a:rPr kumimoji="0" lang="en-US" altLang="en-US" sz="3200" b="0" i="0" u="none" strike="noStrike" cap="none" normalizeH="0" baseline="0" dirty="0">
+                <a:ln>
+                  <a:noFill/>
+                </a:ln>
+                <a:solidFill>
+                  <a:srgbClr val="0000CF"/>
+                </a:solidFill>
+                <a:effectLst/>
+                <a:latin typeface="Arial Unicode MS"/>
+                <a:ea typeface="SFMono-Regular"/>
+              </a:rPr>
+              <a:t>5</a:t>
+            </a:r>
+            <a:r>
+              <a:rPr kumimoji="0" lang="en-US" altLang="en-US" sz="3200" b="0" i="0" u="none" strike="noStrike" cap="none" normalizeH="0" baseline="0" dirty="0">
+                <a:ln>
+                  <a:noFill/>
+                </a:ln>
+                <a:solidFill>
+                  <a:srgbClr val="000000"/>
+                </a:solidFill>
+                <a:effectLst/>
+                <a:latin typeface="Arial Unicode MS"/>
+                <a:ea typeface="SFMono-Regular"/>
+              </a:rPr>
+              <a:t>]</a:t>
+            </a:r>
+            <a:r>
+              <a:rPr kumimoji="0" lang="en-US" altLang="en-US" sz="3200" b="0" i="0" u="none" strike="noStrike" cap="none" normalizeH="0" baseline="0" dirty="0">
+                <a:ln>
+                  <a:noFill/>
+                </a:ln>
+                <a:solidFill>
+                  <a:srgbClr val="212529"/>
+                </a:solidFill>
+                <a:effectLst/>
+                <a:latin typeface="Arial Unicode MS"/>
+                <a:ea typeface="SFMono-Regular"/>
+              </a:rPr>
+              <a:t> </a:t>
+            </a:r>
+          </a:p>
+          <a:p>
+            <a:pPr marL="0" marR="0" lvl="0" indent="0" algn="l" defTabSz="914400" rtl="0" eaLnBrk="0" fontAlgn="base" latinLnBrk="0" hangingPunct="0">
+              <a:lnSpc>
+                <a:spcPct val="100000"/>
+              </a:lnSpc>
+              <a:spcBef>
+                <a:spcPct val="0"/>
+              </a:spcBef>
+              <a:spcAft>
+                <a:spcPct val="0"/>
+              </a:spcAft>
+              <a:buClrTx/>
+              <a:buSzTx/>
+              <a:buFontTx/>
+              <a:buNone/>
+              <a:tabLst/>
+            </a:pPr>
+            <a:r>
+              <a:rPr kumimoji="0" lang="en-US" altLang="en-US" sz="3200" b="0" i="0" u="none" strike="noStrike" cap="none" normalizeH="0" baseline="0" dirty="0">
+                <a:ln>
+                  <a:noFill/>
+                </a:ln>
+                <a:solidFill>
+                  <a:srgbClr val="000000"/>
+                </a:solidFill>
+                <a:effectLst/>
+                <a:latin typeface="Arial" panose="020B0604020202020204" pitchFamily="34" charset="0"/>
+              </a:rPr>
+              <a:t>squared</a:t>
+            </a:r>
+            <a:r>
+              <a:rPr kumimoji="0" lang="en-US" altLang="en-US" sz="3200" b="0" i="0" u="none" strike="noStrike" cap="none" normalizeH="0" baseline="0" dirty="0">
+                <a:ln>
+                  <a:noFill/>
+                </a:ln>
+                <a:solidFill>
+                  <a:srgbClr val="212529"/>
+                </a:solidFill>
+                <a:effectLst/>
+                <a:latin typeface="Arial Unicode MS"/>
+                <a:ea typeface="SFMono-Regular"/>
+              </a:rPr>
+              <a:t> </a:t>
+            </a:r>
+            <a:r>
+              <a:rPr kumimoji="0" lang="en-US" altLang="en-US" sz="3200" b="0" i="0" u="none" strike="noStrike" cap="none" normalizeH="0" baseline="0" dirty="0">
+                <a:ln>
+                  <a:noFill/>
+                </a:ln>
+                <a:solidFill>
+                  <a:srgbClr val="CE5C00"/>
+                </a:solidFill>
+                <a:effectLst/>
+                <a:latin typeface="Arial" panose="020B0604020202020204" pitchFamily="34" charset="0"/>
+              </a:rPr>
+              <a:t>=</a:t>
+            </a:r>
+            <a:r>
+              <a:rPr kumimoji="0" lang="en-US" altLang="en-US" sz="3200" b="0" i="0" u="none" strike="noStrike" cap="none" normalizeH="0" baseline="0" dirty="0">
+                <a:ln>
+                  <a:noFill/>
+                </a:ln>
+                <a:solidFill>
+                  <a:srgbClr val="212529"/>
+                </a:solidFill>
+                <a:effectLst/>
+                <a:latin typeface="Arial Unicode MS"/>
+                <a:ea typeface="SFMono-Regular"/>
+              </a:rPr>
+              <a:t> </a:t>
+            </a:r>
+            <a:r>
+              <a:rPr kumimoji="0" lang="en-US" altLang="en-US" sz="3200" b="0" i="0" u="none" strike="noStrike" cap="none" normalizeH="0" baseline="0" dirty="0">
+                <a:ln>
+                  <a:noFill/>
+                </a:ln>
+                <a:solidFill>
+                  <a:srgbClr val="000000"/>
+                </a:solidFill>
+                <a:effectLst/>
+                <a:latin typeface="Arial Unicode MS"/>
+                <a:ea typeface="SFMono-Regular"/>
+              </a:rPr>
+              <a:t>(</a:t>
+            </a:r>
+            <a:r>
+              <a:rPr kumimoji="0" lang="en-US" altLang="en-US" sz="3200" b="0" i="0" u="none" strike="noStrike" cap="none" normalizeH="0" baseline="0" dirty="0">
+                <a:ln>
+                  <a:noFill/>
+                </a:ln>
+                <a:solidFill>
+                  <a:srgbClr val="000000"/>
+                </a:solidFill>
+                <a:effectLst/>
+                <a:latin typeface="Arial" panose="020B0604020202020204" pitchFamily="34" charset="0"/>
+              </a:rPr>
+              <a:t>square</a:t>
+            </a:r>
+            <a:r>
+              <a:rPr kumimoji="0" lang="en-US" altLang="en-US" sz="3200" b="0" i="0" u="none" strike="noStrike" cap="none" normalizeH="0" baseline="0" dirty="0">
+                <a:ln>
+                  <a:noFill/>
+                </a:ln>
+                <a:solidFill>
+                  <a:srgbClr val="000000"/>
+                </a:solidFill>
+                <a:effectLst/>
+                <a:latin typeface="Arial Unicode MS"/>
+                <a:ea typeface="SFMono-Regular"/>
+              </a:rPr>
+              <a:t>,</a:t>
+            </a:r>
+            <a:r>
+              <a:rPr kumimoji="0" lang="en-US" altLang="en-US" sz="3200" b="0" i="0" u="none" strike="noStrike" cap="none" normalizeH="0" baseline="0" dirty="0">
+                <a:ln>
+                  <a:noFill/>
+                </a:ln>
+                <a:solidFill>
+                  <a:srgbClr val="212529"/>
+                </a:solidFill>
+                <a:effectLst/>
+                <a:latin typeface="Arial Unicode MS"/>
+                <a:ea typeface="SFMono-Regular"/>
+              </a:rPr>
+              <a:t> </a:t>
+            </a:r>
+            <a:r>
+              <a:rPr kumimoji="0" lang="en-US" altLang="en-US" sz="3200" b="0" i="0" u="none" strike="noStrike" cap="none" normalizeH="0" baseline="0" dirty="0">
+                <a:ln>
+                  <a:noFill/>
+                </a:ln>
+                <a:solidFill>
+                  <a:srgbClr val="000000"/>
+                </a:solidFill>
+                <a:effectLst/>
+                <a:latin typeface="Arial" panose="020B0604020202020204" pitchFamily="34" charset="0"/>
+              </a:rPr>
+              <a:t>numbers</a:t>
+            </a:r>
+            <a:r>
+              <a:rPr kumimoji="0" lang="en-US" altLang="en-US" sz="3200" b="0" i="0" u="none" strike="noStrike" cap="none" normalizeH="0" baseline="0" dirty="0">
+                <a:ln>
+                  <a:noFill/>
+                </a:ln>
+                <a:solidFill>
+                  <a:srgbClr val="000000"/>
+                </a:solidFill>
+                <a:effectLst/>
+                <a:latin typeface="Arial Unicode MS"/>
+                <a:ea typeface="SFMono-Regular"/>
+              </a:rPr>
+              <a:t>)</a:t>
+            </a:r>
+            <a:r>
+              <a:rPr kumimoji="0" lang="en-US" altLang="en-US" sz="3200" b="0" i="0" u="none" strike="noStrike" cap="none" normalizeH="0" baseline="0" dirty="0">
+                <a:ln>
+                  <a:noFill/>
+                </a:ln>
+                <a:solidFill>
+                  <a:srgbClr val="212529"/>
+                </a:solidFill>
+                <a:effectLst/>
+                <a:latin typeface="Arial Unicode MS"/>
+                <a:ea typeface="SFMono-Regular"/>
+              </a:rPr>
+              <a:t> </a:t>
+            </a:r>
+            <a:r>
+              <a:rPr kumimoji="0" lang="en-US" altLang="en-US" sz="3200" b="0" i="0" u="none" strike="noStrike" cap="none" normalizeH="0" baseline="0" dirty="0">
+                <a:ln>
+                  <a:noFill/>
+                </a:ln>
+                <a:solidFill>
+                  <a:srgbClr val="8F5902"/>
+                </a:solidFill>
+                <a:effectLst/>
+                <a:latin typeface="Arial Unicode MS"/>
+                <a:ea typeface="SFMono-Regular"/>
+              </a:rPr>
+              <a:t> </a:t>
+            </a:r>
+            <a:endParaRPr kumimoji="0" lang="en-US" altLang="en-US" sz="3200" b="0" i="0" u="none" strike="noStrike" cap="none" normalizeH="0" baseline="0" dirty="0">
+              <a:ln>
+                <a:noFill/>
+              </a:ln>
+              <a:solidFill>
+                <a:srgbClr val="204A87"/>
+              </a:solidFill>
+              <a:effectLst/>
+              <a:latin typeface="Arial" panose="020B0604020202020204" pitchFamily="34" charset="0"/>
+            </a:endParaRPr>
+          </a:p>
+          <a:p>
+            <a:pPr marL="0" marR="0" lvl="0" indent="0" algn="l" defTabSz="914400" rtl="0" eaLnBrk="0" fontAlgn="base" latinLnBrk="0" hangingPunct="0">
+              <a:lnSpc>
+                <a:spcPct val="100000"/>
+              </a:lnSpc>
+              <a:spcBef>
+                <a:spcPct val="30000"/>
+              </a:spcBef>
+              <a:spcAft>
+                <a:spcPct val="0"/>
+              </a:spcAft>
+              <a:buClrTx/>
+              <a:buSzTx/>
+              <a:buFontTx/>
+              <a:buNone/>
+              <a:tabLst/>
+            </a:pPr>
+            <a:r>
+              <a:rPr kumimoji="0" lang="en-US" altLang="en-US" sz="3200" b="0" i="0" u="none" strike="noStrike" cap="none" normalizeH="0" baseline="0" dirty="0">
+                <a:ln>
+                  <a:noFill/>
+                </a:ln>
+                <a:solidFill>
+                  <a:srgbClr val="000000"/>
+                </a:solidFill>
+                <a:effectLst/>
+                <a:latin typeface="Arial Unicode MS"/>
+                <a:ea typeface="SFMono-Regular"/>
+              </a:rPr>
+              <a:t>list(</a:t>
+            </a:r>
+            <a:r>
+              <a:rPr kumimoji="0" lang="en-US" altLang="en-US" sz="3200" b="0" i="0" u="none" strike="noStrike" cap="none" normalizeH="0" baseline="0" dirty="0">
+                <a:ln>
+                  <a:noFill/>
+                </a:ln>
+                <a:solidFill>
+                  <a:srgbClr val="000000"/>
+                </a:solidFill>
+                <a:effectLst/>
+                <a:latin typeface="Arial" panose="020B0604020202020204" pitchFamily="34" charset="0"/>
+              </a:rPr>
+              <a:t>squared</a:t>
+            </a:r>
+            <a:r>
+              <a:rPr kumimoji="0" lang="en-US" altLang="en-US" sz="3200" b="0" i="0" u="none" strike="noStrike" cap="none" normalizeH="0" baseline="0" dirty="0">
+                <a:ln>
+                  <a:noFill/>
+                </a:ln>
+                <a:solidFill>
+                  <a:srgbClr val="000000"/>
+                </a:solidFill>
+                <a:effectLst/>
+                <a:latin typeface="Arial Unicode MS"/>
+                <a:ea typeface="SFMono-Regular"/>
+              </a:rPr>
+              <a:t>)</a:t>
+            </a:r>
+            <a:r>
+              <a:rPr kumimoji="0" lang="en-US" altLang="en-US" sz="3200" b="0" i="0" u="none" strike="noStrike" cap="none" normalizeH="0" baseline="0" dirty="0">
+                <a:ln>
+                  <a:noFill/>
+                </a:ln>
+                <a:solidFill>
+                  <a:srgbClr val="212529"/>
+                </a:solidFill>
+                <a:effectLst/>
+                <a:latin typeface="Arial Unicode MS"/>
+                <a:ea typeface="SFMono-Regular"/>
+              </a:rPr>
+              <a:t> </a:t>
+            </a:r>
+          </a:p>
+          <a:p>
+            <a:pPr marL="0" marR="0" lvl="0" indent="0" algn="l" defTabSz="914400" rtl="0" eaLnBrk="0" fontAlgn="base" latinLnBrk="0" hangingPunct="0">
+              <a:lnSpc>
+                <a:spcPct val="100000"/>
+              </a:lnSpc>
+              <a:spcBef>
+                <a:spcPct val="30000"/>
+              </a:spcBef>
+              <a:spcAft>
+                <a:spcPct val="0"/>
+              </a:spcAft>
+              <a:buClrTx/>
+              <a:buSzTx/>
+              <a:buFontTx/>
+              <a:buNone/>
+              <a:tabLst/>
+            </a:pPr>
+            <a:r>
+              <a:rPr kumimoji="0" lang="en-US" altLang="en-US" sz="3200" b="0" i="0" u="none" strike="noStrike" cap="none" normalizeH="0" baseline="0" dirty="0">
+                <a:ln>
+                  <a:noFill/>
+                </a:ln>
+                <a:solidFill>
+                  <a:srgbClr val="6C757D"/>
+                </a:solidFill>
+                <a:effectLst/>
+                <a:latin typeface="Arial Unicode MS"/>
+                <a:ea typeface="SFMono-Regular"/>
+              </a:rPr>
+              <a:t>[1, 4, 9, 16, 25]</a:t>
+            </a:r>
+            <a:r>
+              <a:rPr kumimoji="0" lang="en-US" altLang="en-US" sz="3200" b="0" i="0" u="none" strike="noStrike" cap="none" normalizeH="0" baseline="0" dirty="0">
+                <a:ln>
+                  <a:noFill/>
+                </a:ln>
+                <a:solidFill>
+                  <a:schemeClr val="tx1"/>
+                </a:solidFill>
+                <a:effectLst/>
+              </a:rPr>
+              <a:t> </a:t>
+            </a:r>
+            <a:endParaRPr kumimoji="0" lang="en-US" altLang="en-US" sz="3200" b="0" i="0" u="none" strike="noStrike" cap="none" normalizeH="0" baseline="0" dirty="0">
+              <a:ln>
+                <a:noFill/>
+              </a:ln>
+              <a:solidFill>
+                <a:schemeClr val="tx1"/>
+              </a:solidFill>
+              <a:effectLst/>
+              <a:latin typeface="Arial" panose="020B0604020202020204" pitchFamily="34" charset="0"/>
+            </a:endParaRPr>
           </a:p>
         </p:txBody>
       </p:sp>
@@ -10127,7 +11436,7 @@
     </p:custDataLst>
     <p:extLst>
       <p:ext uri="{BB962C8B-B14F-4D97-AF65-F5344CB8AC3E}">
-        <p14:creationId xmlns:p14="http://schemas.microsoft.com/office/powerpoint/2010/main" val="330974031"/>
+        <p14:creationId xmlns:p14="http://schemas.microsoft.com/office/powerpoint/2010/main" val="3968260606"/>
       </p:ext>
     </p:extLst>
   </p:cSld>
@@ -10159,7 +11468,7 @@
           <p:cNvPr id="2" name="Title 1">
             <a:extLst>
               <a:ext uri="{FF2B5EF4-FFF2-40B4-BE49-F238E27FC236}">
-                <a16:creationId xmlns:a16="http://schemas.microsoft.com/office/drawing/2014/main" id="{1C71D339-D35A-4828-96C6-D2117667F82B}"/>
+                <a16:creationId xmlns:a16="http://schemas.microsoft.com/office/drawing/2014/main" id="{A8F1F08E-8C97-4B9F-8849-C4B4FF192269}"/>
               </a:ext>
             </a:extLst>
           </p:cNvPr>
@@ -10175,42 +11484,689 @@
           <a:bodyPr/>
           <a:lstStyle/>
           <a:p>
-            <a:endParaRPr lang="en-SG" dirty="0"/>
+            <a:endParaRPr lang="en-SG"/>
           </a:p>
         </p:txBody>
       </p:sp>
       <p:sp>
         <p:nvSpPr>
-          <p:cNvPr id="3" name="Content Placeholder 2">
+          <p:cNvPr id="4" name="Rectangle 1">
             <a:extLst>
               <a:ext uri="{FF2B5EF4-FFF2-40B4-BE49-F238E27FC236}">
-                <a16:creationId xmlns:a16="http://schemas.microsoft.com/office/drawing/2014/main" id="{A1C05109-6597-488A-B90C-8AEE299426FD}"/>
+                <a16:creationId xmlns:a16="http://schemas.microsoft.com/office/drawing/2014/main" id="{EEBE8B89-E663-4F78-B217-14D91AA9BE3B}"/>
               </a:ext>
             </a:extLst>
           </p:cNvPr>
           <p:cNvSpPr>
-            <a:spLocks noGrp="1"/>
+            <a:spLocks noChangeArrowheads="1"/>
           </p:cNvSpPr>
-          <p:nvPr>
-            <p:ph idx="1"/>
-          </p:nvPr>
+          <p:nvPr/>
         </p:nvSpPr>
-        <p:spPr/>
+        <p:spPr bwMode="auto">
+          <a:xfrm>
+            <a:off x="576689" y="2197893"/>
+            <a:ext cx="10262548" cy="2462213"/>
+          </a:xfrm>
+          <a:prstGeom prst="rect">
+            <a:avLst/>
+          </a:prstGeom>
+          <a:solidFill>
+            <a:srgbClr val="F6F6F6"/>
+          </a:solidFill>
+          <a:ln>
+            <a:noFill/>
+          </a:ln>
+          <a:effectLst/>
+          <a:extLst>
+            <a:ext uri="{91240B29-F687-4F45-9708-019B960494DF}">
+              <a14:hiddenLine xmlns:a14="http://schemas.microsoft.com/office/drawing/2010/main" w="9525">
+                <a:solidFill>
+                  <a:schemeClr val="tx1"/>
+                </a:solidFill>
+                <a:miter lim="800000"/>
+                <a:headEnd/>
+                <a:tailEnd/>
+              </a14:hiddenLine>
+            </a:ext>
+            <a:ext uri="{AF507438-7753-43E0-B8FC-AC1667EBCBE1}">
+              <a14:hiddenEffects xmlns:a14="http://schemas.microsoft.com/office/drawing/2010/main">
+                <a:effectLst>
+                  <a:outerShdw dist="35921" dir="2700000" algn="ctr" rotWithShape="0">
+                    <a:schemeClr val="bg2"/>
+                  </a:outerShdw>
+                </a:effectLst>
+              </a14:hiddenEffects>
+            </a:ext>
+          </a:extLst>
+        </p:spPr>
         <p:txBody>
-          <a:bodyPr/>
+          <a:bodyPr vert="horz" wrap="square" lIns="91440" tIns="0" rIns="91440" bIns="0" numCol="1" anchor="ctr" anchorCtr="0" compatLnSpc="1">
+            <a:prstTxWarp prst="textNoShape">
+              <a:avLst/>
+            </a:prstTxWarp>
+            <a:spAutoFit/>
+          </a:bodyPr>
           <a:lstStyle/>
           <a:p>
-            <a:r>
-              <a:rPr lang="en-SG" dirty="0"/>
-              <a:t>Write a Python program to create a lambda function that adds 15 to a given number passed in as an argument, also create a lambda function that multiplies argument x with argument y and print the result.</a:t>
-            </a:r>
+            <a:pPr marL="0" marR="0" lvl="0" indent="0" algn="l" defTabSz="914400" rtl="0" eaLnBrk="0" fontAlgn="base" latinLnBrk="0" hangingPunct="0">
+              <a:lnSpc>
+                <a:spcPct val="100000"/>
+              </a:lnSpc>
+              <a:spcBef>
+                <a:spcPct val="0"/>
+              </a:spcBef>
+              <a:spcAft>
+                <a:spcPct val="0"/>
+              </a:spcAft>
+              <a:buClrTx/>
+              <a:buSzTx/>
+              <a:buFontTx/>
+              <a:buNone/>
+              <a:tabLst/>
+            </a:pPr>
+            <a:r>
+              <a:rPr kumimoji="0" lang="en-US" altLang="en-US" sz="3200" b="0" i="0" u="none" strike="noStrike" cap="none" normalizeH="0" baseline="0" dirty="0" err="1">
+                <a:ln>
+                  <a:noFill/>
+                </a:ln>
+                <a:solidFill>
+                  <a:srgbClr val="000000"/>
+                </a:solidFill>
+                <a:effectLst/>
+                <a:latin typeface="Arial" panose="020B0604020202020204" pitchFamily="34" charset="0"/>
+              </a:rPr>
+              <a:t>str_nums</a:t>
+            </a:r>
+            <a:r>
+              <a:rPr kumimoji="0" lang="en-US" altLang="en-US" sz="3200" b="0" i="0" u="none" strike="noStrike" cap="none" normalizeH="0" baseline="0" dirty="0">
+                <a:ln>
+                  <a:noFill/>
+                </a:ln>
+                <a:solidFill>
+                  <a:srgbClr val="212529"/>
+                </a:solidFill>
+                <a:effectLst/>
+                <a:latin typeface="Arial Unicode MS"/>
+                <a:ea typeface="SFMono-Regular"/>
+              </a:rPr>
+              <a:t> </a:t>
+            </a:r>
+            <a:r>
+              <a:rPr kumimoji="0" lang="en-US" altLang="en-US" sz="3200" b="0" i="0" u="none" strike="noStrike" cap="none" normalizeH="0" baseline="0" dirty="0">
+                <a:ln>
+                  <a:noFill/>
+                </a:ln>
+                <a:solidFill>
+                  <a:srgbClr val="CE5C00"/>
+                </a:solidFill>
+                <a:effectLst/>
+                <a:latin typeface="Arial" panose="020B0604020202020204" pitchFamily="34" charset="0"/>
+              </a:rPr>
+              <a:t>=</a:t>
+            </a:r>
+            <a:r>
+              <a:rPr kumimoji="0" lang="en-US" altLang="en-US" sz="3200" b="0" i="0" u="none" strike="noStrike" cap="none" normalizeH="0" baseline="0" dirty="0">
+                <a:ln>
+                  <a:noFill/>
+                </a:ln>
+                <a:solidFill>
+                  <a:srgbClr val="212529"/>
+                </a:solidFill>
+                <a:effectLst/>
+                <a:latin typeface="Arial Unicode MS"/>
+                <a:ea typeface="SFMono-Regular"/>
+              </a:rPr>
+              <a:t> </a:t>
+            </a:r>
+            <a:r>
+              <a:rPr kumimoji="0" lang="en-US" altLang="en-US" sz="3200" b="0" i="0" u="none" strike="noStrike" cap="none" normalizeH="0" baseline="0" dirty="0">
+                <a:ln>
+                  <a:noFill/>
+                </a:ln>
+                <a:solidFill>
+                  <a:srgbClr val="000000"/>
+                </a:solidFill>
+                <a:effectLst/>
+                <a:latin typeface="Arial Unicode MS"/>
+                <a:ea typeface="SFMono-Regular"/>
+              </a:rPr>
+              <a:t>[</a:t>
+            </a:r>
+            <a:r>
+              <a:rPr kumimoji="0" lang="en-US" altLang="en-US" sz="3200" b="0" i="0" u="none" strike="noStrike" cap="none" normalizeH="0" baseline="0" dirty="0">
+                <a:ln>
+                  <a:noFill/>
+                </a:ln>
+                <a:solidFill>
+                  <a:srgbClr val="4E9A06"/>
+                </a:solidFill>
+                <a:effectLst/>
+                <a:latin typeface="Arial Unicode MS"/>
+                <a:ea typeface="SFMono-Regular"/>
+              </a:rPr>
+              <a:t>"4"</a:t>
+            </a:r>
+            <a:r>
+              <a:rPr kumimoji="0" lang="en-US" altLang="en-US" sz="3200" b="0" i="0" u="none" strike="noStrike" cap="none" normalizeH="0" baseline="0" dirty="0">
+                <a:ln>
+                  <a:noFill/>
+                </a:ln>
+                <a:solidFill>
+                  <a:srgbClr val="000000"/>
+                </a:solidFill>
+                <a:effectLst/>
+                <a:latin typeface="Arial Unicode MS"/>
+                <a:ea typeface="SFMono-Regular"/>
+              </a:rPr>
+              <a:t>,</a:t>
+            </a:r>
+            <a:r>
+              <a:rPr kumimoji="0" lang="en-US" altLang="en-US" sz="3200" b="0" i="0" u="none" strike="noStrike" cap="none" normalizeH="0" baseline="0" dirty="0">
+                <a:ln>
+                  <a:noFill/>
+                </a:ln>
+                <a:solidFill>
+                  <a:srgbClr val="212529"/>
+                </a:solidFill>
+                <a:effectLst/>
+                <a:latin typeface="Arial Unicode MS"/>
+                <a:ea typeface="SFMono-Regular"/>
+              </a:rPr>
+              <a:t> </a:t>
+            </a:r>
+            <a:r>
+              <a:rPr kumimoji="0" lang="en-US" altLang="en-US" sz="3200" b="0" i="0" u="none" strike="noStrike" cap="none" normalizeH="0" baseline="0" dirty="0">
+                <a:ln>
+                  <a:noFill/>
+                </a:ln>
+                <a:solidFill>
+                  <a:srgbClr val="4E9A06"/>
+                </a:solidFill>
+                <a:effectLst/>
+                <a:latin typeface="Arial Unicode MS"/>
+                <a:ea typeface="SFMono-Regular"/>
+              </a:rPr>
+              <a:t>"8"</a:t>
+            </a:r>
+            <a:r>
+              <a:rPr kumimoji="0" lang="en-US" altLang="en-US" sz="3200" b="0" i="0" u="none" strike="noStrike" cap="none" normalizeH="0" baseline="0" dirty="0">
+                <a:ln>
+                  <a:noFill/>
+                </a:ln>
+                <a:solidFill>
+                  <a:srgbClr val="000000"/>
+                </a:solidFill>
+                <a:effectLst/>
+                <a:latin typeface="Arial Unicode MS"/>
+                <a:ea typeface="SFMono-Regular"/>
+              </a:rPr>
+              <a:t>,</a:t>
+            </a:r>
+            <a:r>
+              <a:rPr kumimoji="0" lang="en-US" altLang="en-US" sz="3200" b="0" i="0" u="none" strike="noStrike" cap="none" normalizeH="0" baseline="0" dirty="0">
+                <a:ln>
+                  <a:noFill/>
+                </a:ln>
+                <a:solidFill>
+                  <a:srgbClr val="212529"/>
+                </a:solidFill>
+                <a:effectLst/>
+                <a:latin typeface="Arial Unicode MS"/>
+                <a:ea typeface="SFMono-Regular"/>
+              </a:rPr>
+              <a:t> </a:t>
+            </a:r>
+            <a:r>
+              <a:rPr kumimoji="0" lang="en-US" altLang="en-US" sz="3200" b="0" i="0" u="none" strike="noStrike" cap="none" normalizeH="0" baseline="0" dirty="0">
+                <a:ln>
+                  <a:noFill/>
+                </a:ln>
+                <a:solidFill>
+                  <a:srgbClr val="4E9A06"/>
+                </a:solidFill>
+                <a:effectLst/>
+                <a:latin typeface="Arial Unicode MS"/>
+                <a:ea typeface="SFMono-Regular"/>
+              </a:rPr>
+              <a:t>"6"</a:t>
+            </a:r>
+            <a:r>
+              <a:rPr kumimoji="0" lang="en-US" altLang="en-US" sz="3200" b="0" i="0" u="none" strike="noStrike" cap="none" normalizeH="0" baseline="0" dirty="0">
+                <a:ln>
+                  <a:noFill/>
+                </a:ln>
+                <a:solidFill>
+                  <a:srgbClr val="000000"/>
+                </a:solidFill>
+                <a:effectLst/>
+                <a:latin typeface="Arial Unicode MS"/>
+                <a:ea typeface="SFMono-Regular"/>
+              </a:rPr>
+              <a:t>,</a:t>
+            </a:r>
+            <a:r>
+              <a:rPr kumimoji="0" lang="en-US" altLang="en-US" sz="3200" b="0" i="0" u="none" strike="noStrike" cap="none" normalizeH="0" baseline="0" dirty="0">
+                <a:ln>
+                  <a:noFill/>
+                </a:ln>
+                <a:solidFill>
+                  <a:srgbClr val="212529"/>
+                </a:solidFill>
+                <a:effectLst/>
+                <a:latin typeface="Arial Unicode MS"/>
+                <a:ea typeface="SFMono-Regular"/>
+              </a:rPr>
+              <a:t> </a:t>
+            </a:r>
+            <a:r>
+              <a:rPr kumimoji="0" lang="en-US" altLang="en-US" sz="3200" b="0" i="0" u="none" strike="noStrike" cap="none" normalizeH="0" baseline="0" dirty="0">
+                <a:ln>
+                  <a:noFill/>
+                </a:ln>
+                <a:solidFill>
+                  <a:srgbClr val="4E9A06"/>
+                </a:solidFill>
+                <a:effectLst/>
+                <a:latin typeface="Arial Unicode MS"/>
+                <a:ea typeface="SFMono-Regular"/>
+              </a:rPr>
+              <a:t>"5"</a:t>
+            </a:r>
+            <a:r>
+              <a:rPr kumimoji="0" lang="en-US" altLang="en-US" sz="3200" b="0" i="0" u="none" strike="noStrike" cap="none" normalizeH="0" baseline="0" dirty="0">
+                <a:ln>
+                  <a:noFill/>
+                </a:ln>
+                <a:solidFill>
+                  <a:srgbClr val="000000"/>
+                </a:solidFill>
+                <a:effectLst/>
+                <a:latin typeface="Arial Unicode MS"/>
+                <a:ea typeface="SFMono-Regular"/>
+              </a:rPr>
+              <a:t>,</a:t>
+            </a:r>
+            <a:r>
+              <a:rPr kumimoji="0" lang="en-US" altLang="en-US" sz="3200" b="0" i="0" u="none" strike="noStrike" cap="none" normalizeH="0" baseline="0" dirty="0">
+                <a:ln>
+                  <a:noFill/>
+                </a:ln>
+                <a:solidFill>
+                  <a:srgbClr val="212529"/>
+                </a:solidFill>
+                <a:effectLst/>
+                <a:latin typeface="Arial Unicode MS"/>
+                <a:ea typeface="SFMono-Regular"/>
+              </a:rPr>
+              <a:t> </a:t>
+            </a:r>
+            <a:r>
+              <a:rPr kumimoji="0" lang="en-US" altLang="en-US" sz="3200" b="0" i="0" u="none" strike="noStrike" cap="none" normalizeH="0" baseline="0" dirty="0">
+                <a:ln>
+                  <a:noFill/>
+                </a:ln>
+                <a:solidFill>
+                  <a:srgbClr val="4E9A06"/>
+                </a:solidFill>
+                <a:effectLst/>
+                <a:latin typeface="Arial Unicode MS"/>
+                <a:ea typeface="SFMono-Regular"/>
+              </a:rPr>
+              <a:t>"3"</a:t>
+            </a:r>
+            <a:r>
+              <a:rPr kumimoji="0" lang="en-US" altLang="en-US" sz="3200" b="0" i="0" u="none" strike="noStrike" cap="none" normalizeH="0" baseline="0" dirty="0">
+                <a:ln>
+                  <a:noFill/>
+                </a:ln>
+                <a:solidFill>
+                  <a:srgbClr val="000000"/>
+                </a:solidFill>
+                <a:effectLst/>
+                <a:latin typeface="Arial Unicode MS"/>
+                <a:ea typeface="SFMono-Regular"/>
+              </a:rPr>
+              <a:t>,</a:t>
+            </a:r>
+            <a:r>
+              <a:rPr kumimoji="0" lang="en-US" altLang="en-US" sz="3200" b="0" i="0" u="none" strike="noStrike" cap="none" normalizeH="0" baseline="0" dirty="0">
+                <a:ln>
+                  <a:noFill/>
+                </a:ln>
+                <a:solidFill>
+                  <a:srgbClr val="212529"/>
+                </a:solidFill>
+                <a:effectLst/>
+                <a:latin typeface="Arial Unicode MS"/>
+                <a:ea typeface="SFMono-Regular"/>
+              </a:rPr>
+              <a:t> </a:t>
+            </a:r>
+            <a:r>
+              <a:rPr kumimoji="0" lang="en-US" altLang="en-US" sz="3200" b="0" i="0" u="none" strike="noStrike" cap="none" normalizeH="0" baseline="0" dirty="0">
+                <a:ln>
+                  <a:noFill/>
+                </a:ln>
+                <a:solidFill>
+                  <a:srgbClr val="4E9A06"/>
+                </a:solidFill>
+                <a:effectLst/>
+                <a:latin typeface="Arial Unicode MS"/>
+                <a:ea typeface="SFMono-Regular"/>
+              </a:rPr>
+              <a:t>"2"</a:t>
+            </a:r>
+            <a:r>
+              <a:rPr kumimoji="0" lang="en-US" altLang="en-US" sz="3200" b="0" i="0" u="none" strike="noStrike" cap="none" normalizeH="0" baseline="0" dirty="0">
+                <a:ln>
+                  <a:noFill/>
+                </a:ln>
+                <a:solidFill>
+                  <a:srgbClr val="000000"/>
+                </a:solidFill>
+                <a:effectLst/>
+                <a:latin typeface="Arial Unicode MS"/>
+                <a:ea typeface="SFMono-Regular"/>
+              </a:rPr>
+              <a:t>,</a:t>
+            </a:r>
+            <a:r>
+              <a:rPr kumimoji="0" lang="en-US" altLang="en-US" sz="3200" b="0" i="0" u="none" strike="noStrike" cap="none" normalizeH="0" baseline="0" dirty="0">
+                <a:ln>
+                  <a:noFill/>
+                </a:ln>
+                <a:solidFill>
+                  <a:srgbClr val="212529"/>
+                </a:solidFill>
+                <a:effectLst/>
+                <a:latin typeface="Arial Unicode MS"/>
+                <a:ea typeface="SFMono-Regular"/>
+              </a:rPr>
+              <a:t> </a:t>
+            </a:r>
+            <a:r>
+              <a:rPr kumimoji="0" lang="en-US" altLang="en-US" sz="3200" b="0" i="0" u="none" strike="noStrike" cap="none" normalizeH="0" baseline="0" dirty="0">
+                <a:ln>
+                  <a:noFill/>
+                </a:ln>
+                <a:solidFill>
+                  <a:srgbClr val="4E9A06"/>
+                </a:solidFill>
+                <a:effectLst/>
+                <a:latin typeface="Arial Unicode MS"/>
+                <a:ea typeface="SFMono-Regular"/>
+              </a:rPr>
+              <a:t>"8"</a:t>
+            </a:r>
+            <a:r>
+              <a:rPr kumimoji="0" lang="en-US" altLang="en-US" sz="3200" b="0" i="0" u="none" strike="noStrike" cap="none" normalizeH="0" baseline="0" dirty="0">
+                <a:ln>
+                  <a:noFill/>
+                </a:ln>
+                <a:solidFill>
+                  <a:srgbClr val="000000"/>
+                </a:solidFill>
+                <a:effectLst/>
+                <a:latin typeface="Arial Unicode MS"/>
+                <a:ea typeface="SFMono-Regular"/>
+              </a:rPr>
+              <a:t>,</a:t>
+            </a:r>
+            <a:r>
+              <a:rPr kumimoji="0" lang="en-US" altLang="en-US" sz="3200" b="0" i="0" u="none" strike="noStrike" cap="none" normalizeH="0" baseline="0" dirty="0">
+                <a:ln>
+                  <a:noFill/>
+                </a:ln>
+                <a:solidFill>
+                  <a:srgbClr val="212529"/>
+                </a:solidFill>
+                <a:effectLst/>
+                <a:latin typeface="Arial Unicode MS"/>
+                <a:ea typeface="SFMono-Regular"/>
+              </a:rPr>
+              <a:t> </a:t>
+            </a:r>
+            <a:r>
+              <a:rPr kumimoji="0" lang="en-US" altLang="en-US" sz="3200" b="0" i="0" u="none" strike="noStrike" cap="none" normalizeH="0" baseline="0" dirty="0">
+                <a:ln>
+                  <a:noFill/>
+                </a:ln>
+                <a:solidFill>
+                  <a:srgbClr val="4E9A06"/>
+                </a:solidFill>
+                <a:effectLst/>
+                <a:latin typeface="Arial Unicode MS"/>
+                <a:ea typeface="SFMono-Regular"/>
+              </a:rPr>
+              <a:t>"9"</a:t>
+            </a:r>
+            <a:r>
+              <a:rPr kumimoji="0" lang="en-US" altLang="en-US" sz="3200" b="0" i="0" u="none" strike="noStrike" cap="none" normalizeH="0" baseline="0" dirty="0">
+                <a:ln>
+                  <a:noFill/>
+                </a:ln>
+                <a:solidFill>
+                  <a:srgbClr val="000000"/>
+                </a:solidFill>
+                <a:effectLst/>
+                <a:latin typeface="Arial Unicode MS"/>
+                <a:ea typeface="SFMono-Regular"/>
+              </a:rPr>
+              <a:t>,</a:t>
+            </a:r>
+            <a:r>
+              <a:rPr kumimoji="0" lang="en-US" altLang="en-US" sz="3200" b="0" i="0" u="none" strike="noStrike" cap="none" normalizeH="0" baseline="0" dirty="0">
+                <a:ln>
+                  <a:noFill/>
+                </a:ln>
+                <a:solidFill>
+                  <a:srgbClr val="212529"/>
+                </a:solidFill>
+                <a:effectLst/>
+                <a:latin typeface="Arial Unicode MS"/>
+                <a:ea typeface="SFMono-Regular"/>
+              </a:rPr>
+              <a:t> </a:t>
+            </a:r>
+            <a:r>
+              <a:rPr kumimoji="0" lang="en-US" altLang="en-US" sz="3200" b="0" i="0" u="none" strike="noStrike" cap="none" normalizeH="0" baseline="0" dirty="0">
+                <a:ln>
+                  <a:noFill/>
+                </a:ln>
+                <a:solidFill>
+                  <a:srgbClr val="4E9A06"/>
+                </a:solidFill>
+                <a:effectLst/>
+                <a:latin typeface="Arial Unicode MS"/>
+                <a:ea typeface="SFMono-Regular"/>
+              </a:rPr>
+              <a:t>"2"</a:t>
+            </a:r>
+            <a:r>
+              <a:rPr kumimoji="0" lang="en-US" altLang="en-US" sz="3200" b="0" i="0" u="none" strike="noStrike" cap="none" normalizeH="0" baseline="0" dirty="0">
+                <a:ln>
+                  <a:noFill/>
+                </a:ln>
+                <a:solidFill>
+                  <a:srgbClr val="000000"/>
+                </a:solidFill>
+                <a:effectLst/>
+                <a:latin typeface="Arial Unicode MS"/>
+                <a:ea typeface="SFMono-Regular"/>
+              </a:rPr>
+              <a:t>,</a:t>
+            </a:r>
+            <a:r>
+              <a:rPr kumimoji="0" lang="en-US" altLang="en-US" sz="3200" b="0" i="0" u="none" strike="noStrike" cap="none" normalizeH="0" baseline="0" dirty="0">
+                <a:ln>
+                  <a:noFill/>
+                </a:ln>
+                <a:solidFill>
+                  <a:srgbClr val="212529"/>
+                </a:solidFill>
+                <a:effectLst/>
+                <a:latin typeface="Arial Unicode MS"/>
+                <a:ea typeface="SFMono-Regular"/>
+              </a:rPr>
+              <a:t> </a:t>
+            </a:r>
+            <a:r>
+              <a:rPr kumimoji="0" lang="en-US" altLang="en-US" sz="3200" b="0" i="0" u="none" strike="noStrike" cap="none" normalizeH="0" baseline="0" dirty="0">
+                <a:ln>
+                  <a:noFill/>
+                </a:ln>
+                <a:solidFill>
+                  <a:srgbClr val="4E9A06"/>
+                </a:solidFill>
+                <a:effectLst/>
+                <a:latin typeface="Arial Unicode MS"/>
+                <a:ea typeface="SFMono-Regular"/>
+              </a:rPr>
+              <a:t>"5"</a:t>
+            </a:r>
+            <a:r>
+              <a:rPr kumimoji="0" lang="en-US" altLang="en-US" sz="3200" b="0" i="0" u="none" strike="noStrike" cap="none" normalizeH="0" baseline="0" dirty="0">
+                <a:ln>
+                  <a:noFill/>
+                </a:ln>
+                <a:solidFill>
+                  <a:srgbClr val="000000"/>
+                </a:solidFill>
+                <a:effectLst/>
+                <a:latin typeface="Arial Unicode MS"/>
+                <a:ea typeface="SFMono-Regular"/>
+              </a:rPr>
+              <a:t>]</a:t>
+            </a:r>
+          </a:p>
+          <a:p>
+            <a:pPr lvl="0" eaLnBrk="0" fontAlgn="base" hangingPunct="0">
+              <a:spcBef>
+                <a:spcPct val="0"/>
+              </a:spcBef>
+              <a:spcAft>
+                <a:spcPct val="0"/>
+              </a:spcAft>
+            </a:pPr>
+            <a:r>
+              <a:rPr lang="en-US" altLang="en-US" sz="3200" dirty="0" err="1">
+                <a:latin typeface="Arial" panose="020B0604020202020204" pitchFamily="34" charset="0"/>
+              </a:rPr>
+              <a:t>int_nums</a:t>
+            </a:r>
+            <a:r>
+              <a:rPr lang="en-US" altLang="en-US" sz="3200" dirty="0">
+                <a:latin typeface="Arial" panose="020B0604020202020204" pitchFamily="34" charset="0"/>
+              </a:rPr>
+              <a:t> = map(int, </a:t>
+            </a:r>
+            <a:r>
+              <a:rPr lang="en-US" altLang="en-US" sz="3200" dirty="0" err="1">
+                <a:latin typeface="Arial" panose="020B0604020202020204" pitchFamily="34" charset="0"/>
+              </a:rPr>
+              <a:t>str_nums</a:t>
+            </a:r>
+            <a:r>
+              <a:rPr lang="en-US" altLang="en-US" sz="3200" dirty="0">
+                <a:latin typeface="Arial" panose="020B0604020202020204" pitchFamily="34" charset="0"/>
+              </a:rPr>
+              <a:t>)</a:t>
+            </a:r>
+          </a:p>
+          <a:p>
+            <a:pPr lvl="0" eaLnBrk="0" fontAlgn="base" hangingPunct="0">
+              <a:spcBef>
+                <a:spcPct val="0"/>
+              </a:spcBef>
+              <a:spcAft>
+                <a:spcPct val="0"/>
+              </a:spcAft>
+            </a:pPr>
+            <a:r>
+              <a:rPr lang="en-US" altLang="en-US" sz="3200" dirty="0" err="1">
+                <a:latin typeface="Arial" panose="020B0604020202020204" pitchFamily="34" charset="0"/>
+              </a:rPr>
+              <a:t>int_nums</a:t>
+            </a:r>
+            <a:endParaRPr lang="en-US" altLang="en-US" sz="3200" dirty="0">
+              <a:latin typeface="Arial" panose="020B0604020202020204" pitchFamily="34" charset="0"/>
+            </a:endParaRPr>
+          </a:p>
+          <a:p>
+            <a:pPr lvl="0" eaLnBrk="0" fontAlgn="base" hangingPunct="0">
+              <a:spcBef>
+                <a:spcPct val="0"/>
+              </a:spcBef>
+              <a:spcAft>
+                <a:spcPct val="0"/>
+              </a:spcAft>
+            </a:pPr>
+            <a:r>
+              <a:rPr lang="en-US" altLang="en-US" sz="3200" dirty="0">
+                <a:latin typeface="Arial" panose="020B0604020202020204" pitchFamily="34" charset="0"/>
+              </a:rPr>
+              <a:t>print(list(</a:t>
+            </a:r>
+            <a:r>
+              <a:rPr lang="en-US" altLang="en-US" sz="3200" dirty="0" err="1">
+                <a:latin typeface="Arial" panose="020B0604020202020204" pitchFamily="34" charset="0"/>
+              </a:rPr>
+              <a:t>int_nums</a:t>
+            </a:r>
+            <a:r>
+              <a:rPr lang="en-US" altLang="en-US" sz="3200" dirty="0">
+                <a:latin typeface="Arial" panose="020B0604020202020204" pitchFamily="34" charset="0"/>
+              </a:rPr>
+              <a:t>))</a:t>
+            </a:r>
+          </a:p>
+          <a:p>
+            <a:pPr lvl="0" eaLnBrk="0" fontAlgn="base" hangingPunct="0">
+              <a:spcBef>
+                <a:spcPct val="0"/>
+              </a:spcBef>
+              <a:spcAft>
+                <a:spcPct val="0"/>
+              </a:spcAft>
+            </a:pPr>
+            <a:r>
+              <a:rPr lang="en-US" altLang="en-US" sz="3200" dirty="0">
+                <a:latin typeface="Arial" panose="020B0604020202020204" pitchFamily="34" charset="0"/>
+              </a:rPr>
+              <a:t>print(</a:t>
+            </a:r>
+            <a:r>
+              <a:rPr lang="en-US" altLang="en-US" sz="3200" dirty="0" err="1">
+                <a:latin typeface="Arial" panose="020B0604020202020204" pitchFamily="34" charset="0"/>
+              </a:rPr>
+              <a:t>str_nums</a:t>
+            </a:r>
+            <a:r>
+              <a:rPr lang="en-US" altLang="en-US" sz="3200" dirty="0">
+                <a:latin typeface="Arial" panose="020B0604020202020204" pitchFamily="34" charset="0"/>
+              </a:rPr>
+              <a:t>)</a:t>
+            </a:r>
+            <a:endParaRPr kumimoji="0" lang="en-US" altLang="en-US" sz="3200" b="0" i="0" u="none" strike="noStrike" cap="none" normalizeH="0" baseline="0" dirty="0">
+              <a:ln>
+                <a:noFill/>
+              </a:ln>
+              <a:solidFill>
+                <a:schemeClr val="tx1"/>
+              </a:solidFill>
+              <a:effectLst/>
+              <a:latin typeface="Arial" panose="020B0604020202020204" pitchFamily="34" charset="0"/>
+            </a:endParaRPr>
           </a:p>
         </p:txBody>
       </p:sp>
     </p:spTree>
+    <p:custDataLst>
+      <p:tags r:id="rId1"/>
+    </p:custDataLst>
     <p:extLst>
       <p:ext uri="{BB962C8B-B14F-4D97-AF65-F5344CB8AC3E}">
-        <p14:creationId xmlns:p14="http://schemas.microsoft.com/office/powerpoint/2010/main" val="153570295"/>
+        <p14:creationId xmlns:p14="http://schemas.microsoft.com/office/powerpoint/2010/main" val="835947894"/>
       </p:ext>
     </p:extLst>
   </p:cSld>
@@ -10659,6 +12615,9 @@
         </p:txBody>
       </p:sp>
     </p:spTree>
+    <p:custDataLst>
+      <p:tags r:id="rId1"/>
+    </p:custDataLst>
     <p:extLst>
       <p:ext uri="{BB962C8B-B14F-4D97-AF65-F5344CB8AC3E}">
         <p14:creationId xmlns:p14="http://schemas.microsoft.com/office/powerpoint/2010/main" val="352504631"/>
@@ -10693,7 +12652,7 @@
           <p:cNvPr id="2" name="Title 1">
             <a:extLst>
               <a:ext uri="{FF2B5EF4-FFF2-40B4-BE49-F238E27FC236}">
-                <a16:creationId xmlns:a16="http://schemas.microsoft.com/office/drawing/2014/main" id="{84AF2C6F-2E29-4EF4-9987-606C026C122C}"/>
+                <a16:creationId xmlns:a16="http://schemas.microsoft.com/office/drawing/2014/main" id="{E1500942-AB7F-4A18-BB2A-D2CC6D1BF1C5}"/>
               </a:ext>
             </a:extLst>
           </p:cNvPr>
@@ -10710,9 +12669,18 @@
           <a:lstStyle/>
           <a:p>
             <a:r>
+              <a:rPr lang="en-SG" dirty="0" err="1"/>
+              <a:t>Lamda</a:t>
+            </a:r>
+            <a:r>
               <a:rPr lang="en-SG" dirty="0"/>
-              <a:t>filter()</a:t>
-            </a:r>
+              <a:t> </a:t>
+            </a:r>
+            <a:r>
+              <a:rPr lang="en-SG" dirty="0" err="1"/>
+              <a:t>funtion</a:t>
+            </a:r>
+            <a:endParaRPr lang="en-SG" dirty="0"/>
           </a:p>
         </p:txBody>
       </p:sp>
@@ -10721,7 +12689,7 @@
           <p:cNvPr id="3" name="Content Placeholder 2">
             <a:extLst>
               <a:ext uri="{FF2B5EF4-FFF2-40B4-BE49-F238E27FC236}">
-                <a16:creationId xmlns:a16="http://schemas.microsoft.com/office/drawing/2014/main" id="{3BED6C77-360D-42FA-8C4D-A9B3067E1BF8}"/>
+                <a16:creationId xmlns:a16="http://schemas.microsoft.com/office/drawing/2014/main" id="{0D90DBE2-D0EB-4CB0-9803-47F1D536559E}"/>
               </a:ext>
             </a:extLst>
           </p:cNvPr>
@@ -10734,14 +12702,18 @@
         </p:nvSpPr>
         <p:spPr/>
         <p:txBody>
-          <a:bodyPr>
-            <a:normAutofit/>
-          </a:bodyPr>
+          <a:bodyPr/>
           <a:lstStyle/>
           <a:p>
             <a:r>
               <a:rPr lang="en-SG" dirty="0"/>
-              <a:t>The function is called with all the items in the list and a new list is returned which contains items for which the function evaluates to True.</a:t>
+              <a:t>Since map() expects a function to be passed in, lambda functions are commonly used while working with map() functions. We will look at map() later</a:t>
+            </a:r>
+          </a:p>
+          <a:p>
+            <a:r>
+              <a:rPr lang="en-SG" dirty="0"/>
+              <a:t>A lambda function is a short function without a name.</a:t>
             </a:r>
           </a:p>
           <a:p>
@@ -10750,7 +12722,7 @@
             </a:pPr>
             <a:r>
               <a:rPr lang="en-SG" dirty="0"/>
-              <a:t># Program to filter out only the even items from a list</a:t>
+              <a:t># Program to show the use of lambda functions</a:t>
             </a:r>
           </a:p>
           <a:p>
@@ -10758,12 +12730,8 @@
               <a:buNone/>
             </a:pPr>
             <a:r>
-              <a:rPr lang="en-SG" dirty="0" err="1"/>
-              <a:t>my_list</a:t>
-            </a:r>
-            <a:r>
               <a:rPr lang="en-SG" dirty="0"/>
-              <a:t> = [1, 5, 4, 6, 8, 11, 3, 12]</a:t>
+              <a:t>double = lambda x: x * 2</a:t>
             </a:r>
           </a:p>
           <a:p>
@@ -10771,37 +12739,8 @@
               <a:buNone/>
             </a:pPr>
             <a:r>
-              <a:rPr lang="en-SG" dirty="0" err="1"/>
-              <a:t>new_list</a:t>
-            </a:r>
-            <a:r>
               <a:rPr lang="en-SG" dirty="0"/>
-              <a:t> = list(filter(lambda x: (x%2 == 0) , </a:t>
-            </a:r>
-            <a:r>
-              <a:rPr lang="en-SG" dirty="0" err="1"/>
-              <a:t>my_list</a:t>
-            </a:r>
-            <a:r>
-              <a:rPr lang="en-SG" dirty="0"/>
-              <a:t>))</a:t>
-            </a:r>
-          </a:p>
-          <a:p>
-            <a:pPr marL="0" indent="0">
-              <a:buNone/>
-            </a:pPr>
-            <a:r>
-              <a:rPr lang="en-SG" dirty="0"/>
-              <a:t>print(</a:t>
-            </a:r>
-            <a:r>
-              <a:rPr lang="en-SG" dirty="0" err="1"/>
-              <a:t>new_list</a:t>
-            </a:r>
-            <a:r>
-              <a:rPr lang="en-SG" dirty="0"/>
-              <a:t>)</a:t>
+              <a:t>print(double(5))</a:t>
             </a:r>
           </a:p>
         </p:txBody>
@@ -10812,7 +12751,7 @@
     </p:custDataLst>
     <p:extLst>
       <p:ext uri="{BB962C8B-B14F-4D97-AF65-F5344CB8AC3E}">
-        <p14:creationId xmlns:p14="http://schemas.microsoft.com/office/powerpoint/2010/main" val="14309055"/>
+        <p14:creationId xmlns:p14="http://schemas.microsoft.com/office/powerpoint/2010/main" val="979717249"/>
       </p:ext>
     </p:extLst>
   </p:cSld>
@@ -10844,7 +12783,7 @@
           <p:cNvPr id="2" name="Title 1">
             <a:extLst>
               <a:ext uri="{FF2B5EF4-FFF2-40B4-BE49-F238E27FC236}">
-                <a16:creationId xmlns:a16="http://schemas.microsoft.com/office/drawing/2014/main" id="{AE8E4C87-2F3B-431B-A5AD-7FDE709B801C}"/>
+                <a16:creationId xmlns:a16="http://schemas.microsoft.com/office/drawing/2014/main" id="{E1500942-AB7F-4A18-BB2A-D2CC6D1BF1C5}"/>
               </a:ext>
             </a:extLst>
           </p:cNvPr>
@@ -10861,9 +12800,18 @@
           <a:lstStyle/>
           <a:p>
             <a:r>
+              <a:rPr lang="en-SG" dirty="0" err="1"/>
+              <a:t>Lamda</a:t>
+            </a:r>
+            <a:r>
               <a:rPr lang="en-SG" dirty="0"/>
-              <a:t>Generator</a:t>
-            </a:r>
+              <a:t> </a:t>
+            </a:r>
+            <a:r>
+              <a:rPr lang="en-SG" dirty="0" err="1"/>
+              <a:t>funtion</a:t>
+            </a:r>
+            <a:endParaRPr lang="en-SG" dirty="0"/>
           </a:p>
         </p:txBody>
       </p:sp>
@@ -10872,7 +12820,7 @@
           <p:cNvPr id="3" name="Content Placeholder 2">
             <a:extLst>
               <a:ext uri="{FF2B5EF4-FFF2-40B4-BE49-F238E27FC236}">
-                <a16:creationId xmlns:a16="http://schemas.microsoft.com/office/drawing/2014/main" id="{D9400831-1F2B-457B-818F-427BCCE94D8F}"/>
+                <a16:creationId xmlns:a16="http://schemas.microsoft.com/office/drawing/2014/main" id="{0D90DBE2-D0EB-4CB0-9803-47F1D536559E}"/>
               </a:ext>
             </a:extLst>
           </p:cNvPr>
@@ -10890,48 +12838,50 @@
           <a:p>
             <a:r>
               <a:rPr lang="en-SG" dirty="0"/>
-              <a:t>Generator( or Generator Object is like a ticket Machine</a:t>
-            </a:r>
-          </a:p>
-          <a:p>
+              <a:t>def </a:t>
+            </a:r>
+            <a:r>
+              <a:rPr lang="en-SG" dirty="0" err="1"/>
+              <a:t>my_function</a:t>
+            </a:r>
             <a:r>
               <a:rPr lang="en-SG" dirty="0"/>
-              <a:t>Store value of last ticket</a:t>
+              <a:t>(x):</a:t>
             </a:r>
           </a:p>
           <a:p>
             <a:r>
               <a:rPr lang="en-SG" dirty="0"/>
-              <a:t>Generate the new value upon button press</a:t>
-            </a:r>
-          </a:p>
-          <a:p>
-            <a:pPr marL="0" indent="0">
-              <a:buNone/>
-            </a:pPr>
+              <a:t>       return (x)</a:t>
+            </a:r>
+          </a:p>
+          <a:p>
             <a:r>
               <a:rPr lang="en-SG" dirty="0"/>
-              <a:t>There are two type of generators</a:t>
+              <a:t>#using lambda function</a:t>
             </a:r>
           </a:p>
           <a:p>
             <a:r>
               <a:rPr lang="en-SG" dirty="0"/>
-              <a:t>Generator Expression</a:t>
+              <a:t>ret=lambda x:x+1</a:t>
             </a:r>
           </a:p>
           <a:p>
             <a:r>
               <a:rPr lang="en-SG" dirty="0"/>
-              <a:t>Generator Function</a:t>
+              <a:t>print(ret(1))</a:t>
             </a:r>
           </a:p>
         </p:txBody>
       </p:sp>
     </p:spTree>
+    <p:custDataLst>
+      <p:tags r:id="rId1"/>
+    </p:custDataLst>
     <p:extLst>
       <p:ext uri="{BB962C8B-B14F-4D97-AF65-F5344CB8AC3E}">
-        <p14:creationId xmlns:p14="http://schemas.microsoft.com/office/powerpoint/2010/main" val="3424070383"/>
+        <p14:creationId xmlns:p14="http://schemas.microsoft.com/office/powerpoint/2010/main" val="330974031"/>
       </p:ext>
     </p:extLst>
   </p:cSld>
@@ -10944,7 +12894,31 @@
 <file path=ppt/tags/tag1.xml><?xml version="1.0" encoding="utf-8"?>
 <p:tagLst xmlns:a="http://schemas.openxmlformats.org/drawingml/2006/main" xmlns:r="http://schemas.openxmlformats.org/officeDocument/2006/relationships" xmlns:p="http://schemas.openxmlformats.org/presentationml/2006/main">
   <p:tag name="ARTICULATE_PROJECT_OPEN" val="0"/>
-  <p:tag name="ARTICULATE_SLIDE_COUNT" val="8"/>
+  <p:tag name="ARTICULATE_SLIDE_COUNT" val="18"/>
+</p:tagLst>
+</file>
+
+<file path=ppt/tags/tag10.xml><?xml version="1.0" encoding="utf-8"?>
+<p:tagLst xmlns:a="http://schemas.openxmlformats.org/drawingml/2006/main" xmlns:r="http://schemas.openxmlformats.org/officeDocument/2006/relationships" xmlns:p="http://schemas.openxmlformats.org/presentationml/2006/main">
+  <p:tag name="ARTICULATE_SLIDE_THUMBNAIL_REFRESH" val="1"/>
+</p:tagLst>
+</file>
+
+<file path=ppt/tags/tag11.xml><?xml version="1.0" encoding="utf-8"?>
+<p:tagLst xmlns:a="http://schemas.openxmlformats.org/drawingml/2006/main" xmlns:r="http://schemas.openxmlformats.org/officeDocument/2006/relationships" xmlns:p="http://schemas.openxmlformats.org/presentationml/2006/main">
+  <p:tag name="ARTICULATE_SLIDE_THUMBNAIL_REFRESH" val="1"/>
+</p:tagLst>
+</file>
+
+<file path=ppt/tags/tag12.xml><?xml version="1.0" encoding="utf-8"?>
+<p:tagLst xmlns:a="http://schemas.openxmlformats.org/drawingml/2006/main" xmlns:r="http://schemas.openxmlformats.org/officeDocument/2006/relationships" xmlns:p="http://schemas.openxmlformats.org/presentationml/2006/main">
+  <p:tag name="ARTICULATE_SLIDE_THUMBNAIL_REFRESH" val="1"/>
+</p:tagLst>
+</file>
+
+<file path=ppt/tags/tag13.xml><?xml version="1.0" encoding="utf-8"?>
+<p:tagLst xmlns:a="http://schemas.openxmlformats.org/drawingml/2006/main" xmlns:r="http://schemas.openxmlformats.org/officeDocument/2006/relationships" xmlns:p="http://schemas.openxmlformats.org/presentationml/2006/main">
+  <p:tag name="ARTICULATE_SLIDE_THUMBNAIL_REFRESH" val="1"/>
 </p:tagLst>
 </file>
 
@@ -10985,6 +12959,12 @@
 </file>
 
 <file path=ppt/tags/tag8.xml><?xml version="1.0" encoding="utf-8"?>
+<p:tagLst xmlns:a="http://schemas.openxmlformats.org/drawingml/2006/main" xmlns:r="http://schemas.openxmlformats.org/officeDocument/2006/relationships" xmlns:p="http://schemas.openxmlformats.org/presentationml/2006/main">
+  <p:tag name="ARTICULATE_SLIDE_THUMBNAIL_REFRESH" val="1"/>
+</p:tagLst>
+</file>
+
+<file path=ppt/tags/tag9.xml><?xml version="1.0" encoding="utf-8"?>
 <p:tagLst xmlns:a="http://schemas.openxmlformats.org/drawingml/2006/main" xmlns:r="http://schemas.openxmlformats.org/officeDocument/2006/relationships" xmlns:p="http://schemas.openxmlformats.org/presentationml/2006/main">
   <p:tag name="ARTICULATE_SLIDE_THUMBNAIL_REFRESH" val="1"/>
 </p:tagLst>
